--- a/cours/Qualité dev Android - 1 - Kotlin 1 - Operateurs et types de données.pptx
+++ b/cours/Qualité dev Android - 1 - Kotlin 1 - Operateurs et types de données.pptx
@@ -6,7 +6,7 @@
     <p:sldMasterId id="2147483655" r:id="rId2"/>
   </p:sldMasterIdLst>
   <p:notesMasterIdLst>
-    <p:notesMasterId r:id="rId50"/>
+    <p:notesMasterId r:id="rId49"/>
   </p:notesMasterIdLst>
   <p:sldIdLst>
     <p:sldId id="256" r:id="rId3"/>
@@ -28,72 +28,71 @@
     <p:sldId id="279" r:id="rId19"/>
     <p:sldId id="280" r:id="rId20"/>
     <p:sldId id="281" r:id="rId21"/>
-    <p:sldId id="315" r:id="rId22"/>
-    <p:sldId id="285" r:id="rId23"/>
-    <p:sldId id="286" r:id="rId24"/>
-    <p:sldId id="287" r:id="rId25"/>
-    <p:sldId id="288" r:id="rId26"/>
-    <p:sldId id="289" r:id="rId27"/>
-    <p:sldId id="290" r:id="rId28"/>
-    <p:sldId id="291" r:id="rId29"/>
-    <p:sldId id="292" r:id="rId30"/>
-    <p:sldId id="293" r:id="rId31"/>
-    <p:sldId id="294" r:id="rId32"/>
-    <p:sldId id="295" r:id="rId33"/>
-    <p:sldId id="296" r:id="rId34"/>
-    <p:sldId id="297" r:id="rId35"/>
-    <p:sldId id="298" r:id="rId36"/>
-    <p:sldId id="299" r:id="rId37"/>
-    <p:sldId id="300" r:id="rId38"/>
-    <p:sldId id="301" r:id="rId39"/>
-    <p:sldId id="302" r:id="rId40"/>
-    <p:sldId id="303" r:id="rId41"/>
-    <p:sldId id="304" r:id="rId42"/>
-    <p:sldId id="305" r:id="rId43"/>
-    <p:sldId id="306" r:id="rId44"/>
-    <p:sldId id="307" r:id="rId45"/>
-    <p:sldId id="308" r:id="rId46"/>
-    <p:sldId id="309" r:id="rId47"/>
-    <p:sldId id="310" r:id="rId48"/>
-    <p:sldId id="311" r:id="rId49"/>
+    <p:sldId id="285" r:id="rId22"/>
+    <p:sldId id="286" r:id="rId23"/>
+    <p:sldId id="287" r:id="rId24"/>
+    <p:sldId id="288" r:id="rId25"/>
+    <p:sldId id="289" r:id="rId26"/>
+    <p:sldId id="290" r:id="rId27"/>
+    <p:sldId id="291" r:id="rId28"/>
+    <p:sldId id="292" r:id="rId29"/>
+    <p:sldId id="293" r:id="rId30"/>
+    <p:sldId id="294" r:id="rId31"/>
+    <p:sldId id="295" r:id="rId32"/>
+    <p:sldId id="296" r:id="rId33"/>
+    <p:sldId id="297" r:id="rId34"/>
+    <p:sldId id="298" r:id="rId35"/>
+    <p:sldId id="299" r:id="rId36"/>
+    <p:sldId id="300" r:id="rId37"/>
+    <p:sldId id="301" r:id="rId38"/>
+    <p:sldId id="302" r:id="rId39"/>
+    <p:sldId id="303" r:id="rId40"/>
+    <p:sldId id="304" r:id="rId41"/>
+    <p:sldId id="305" r:id="rId42"/>
+    <p:sldId id="306" r:id="rId43"/>
+    <p:sldId id="307" r:id="rId44"/>
+    <p:sldId id="308" r:id="rId45"/>
+    <p:sldId id="309" r:id="rId46"/>
+    <p:sldId id="310" r:id="rId47"/>
+    <p:sldId id="311" r:id="rId48"/>
   </p:sldIdLst>
   <p:sldSz cx="9144000" cy="5143500" type="screen16x9"/>
   <p:notesSz cx="6858000" cy="9144000"/>
   <p:embeddedFontLst>
     <p:embeddedFont>
       <p:font typeface="Consolas" panose="020B0609020204030204" pitchFamily="49" charset="0"/>
-      <p:regular r:id="rId51"/>
-      <p:bold r:id="rId52"/>
-      <p:italic r:id="rId53"/>
-      <p:boldItalic r:id="rId54"/>
+      <p:regular r:id="rId50"/>
+      <p:bold r:id="rId51"/>
+      <p:italic r:id="rId52"/>
+      <p:boldItalic r:id="rId53"/>
     </p:embeddedFont>
     <p:embeddedFont>
       <p:font typeface="Google Sans" panose="020B0503030502040204" pitchFamily="34" charset="0"/>
-      <p:regular r:id="rId55"/>
-      <p:bold r:id="rId56"/>
-      <p:italic r:id="rId57"/>
-      <p:boldItalic r:id="rId58"/>
+      <p:regular r:id="rId54"/>
+      <p:bold r:id="rId55"/>
+      <p:italic r:id="rId56"/>
+      <p:boldItalic r:id="rId57"/>
     </p:embeddedFont>
     <p:embeddedFont>
       <p:font typeface="Open Sans" panose="020B0606030504020204" pitchFamily="34" charset="0"/>
-      <p:regular r:id="rId59"/>
-      <p:bold r:id="rId60"/>
-      <p:italic r:id="rId61"/>
-      <p:boldItalic r:id="rId62"/>
+      <p:regular r:id="rId58"/>
+      <p:bold r:id="rId59"/>
+      <p:italic r:id="rId60"/>
+      <p:boldItalic r:id="rId61"/>
     </p:embeddedFont>
     <p:embeddedFont>
       <p:font typeface="Roboto" panose="02000000000000000000" pitchFamily="2" charset="0"/>
-      <p:regular r:id="rId63"/>
-      <p:bold r:id="rId64"/>
-      <p:italic r:id="rId65"/>
-      <p:boldItalic r:id="rId66"/>
+      <p:regular r:id="rId62"/>
+      <p:bold r:id="rId63"/>
+      <p:italic r:id="rId64"/>
+      <p:boldItalic r:id="rId65"/>
     </p:embeddedFont>
     <p:embeddedFont>
       <p:font typeface="Roboto Mono" pitchFamily="49" charset="0"/>
-      <p:regular r:id="rId67"/>
-      <p:bold r:id="rId68"/>
-      <p:italic r:id="rId69"/>
-      <p:boldItalic r:id="rId70"/>
+      <p:regular r:id="rId66"/>
+      <p:bold r:id="rId67"/>
+      <p:italic r:id="rId68"/>
+      <p:boldItalic r:id="rId69"/>
     </p:embeddedFont>
   </p:embeddedFontLst>
   <p:defaultTextStyle>
@@ -22418,127 +22417,6 @@
   <p:cSld>
     <p:spTree>
       <p:nvGrpSpPr>
-        <p:cNvPr id="1" name=""/>
-        <p:cNvGrpSpPr/>
-        <p:nvPr/>
-      </p:nvGrpSpPr>
-      <p:grpSpPr>
-        <a:xfrm>
-          <a:off x="0" y="0"/>
-          <a:ext cx="0" cy="0"/>
-          <a:chOff x="0" y="0"/>
-          <a:chExt cx="0" cy="0"/>
-        </a:xfrm>
-      </p:grpSpPr>
-      <p:sp>
-        <p:nvSpPr>
-          <p:cNvPr id="2" name="Titre 1">
-            <a:extLst>
-              <a:ext uri="{FF2B5EF4-FFF2-40B4-BE49-F238E27FC236}">
-                <a16:creationId xmlns:a16="http://schemas.microsoft.com/office/drawing/2014/main" id="{33009F7E-6102-4262-0C97-5EAC4850BFFC}"/>
-              </a:ext>
-            </a:extLst>
-          </p:cNvPr>
-          <p:cNvSpPr>
-            <a:spLocks noGrp="1"/>
-          </p:cNvSpPr>
-          <p:nvPr>
-            <p:ph type="title"/>
-          </p:nvPr>
-        </p:nvSpPr>
-        <p:spPr/>
-        <p:txBody>
-          <a:bodyPr/>
-          <a:lstStyle/>
-          <a:p>
-            <a:endParaRPr lang="fr-FR"/>
-          </a:p>
-        </p:txBody>
-      </p:sp>
-      <p:sp>
-        <p:nvSpPr>
-          <p:cNvPr id="3" name="Espace réservé du texte 2">
-            <a:extLst>
-              <a:ext uri="{FF2B5EF4-FFF2-40B4-BE49-F238E27FC236}">
-                <a16:creationId xmlns:a16="http://schemas.microsoft.com/office/drawing/2014/main" id="{41F917B0-4F72-1421-4196-77DE52510AA8}"/>
-              </a:ext>
-            </a:extLst>
-          </p:cNvPr>
-          <p:cNvSpPr>
-            <a:spLocks noGrp="1"/>
-          </p:cNvSpPr>
-          <p:nvPr>
-            <p:ph type="body" idx="1"/>
-          </p:nvPr>
-        </p:nvSpPr>
-        <p:spPr/>
-        <p:txBody>
-          <a:bodyPr/>
-          <a:lstStyle/>
-          <a:p>
-            <a:r>
-              <a:rPr lang="fr-FR" dirty="0"/>
-              <a:t>Intégrer le reste</a:t>
-            </a:r>
-          </a:p>
-        </p:txBody>
-      </p:sp>
-      <p:sp>
-        <p:nvSpPr>
-          <p:cNvPr id="4" name="Espace réservé du numéro de diapositive 3">
-            <a:extLst>
-              <a:ext uri="{FF2B5EF4-FFF2-40B4-BE49-F238E27FC236}">
-                <a16:creationId xmlns:a16="http://schemas.microsoft.com/office/drawing/2014/main" id="{274E607A-BEE8-6AD6-ECE7-67428500B5B4}"/>
-              </a:ext>
-            </a:extLst>
-          </p:cNvPr>
-          <p:cNvSpPr>
-            <a:spLocks noGrp="1"/>
-          </p:cNvSpPr>
-          <p:nvPr>
-            <p:ph type="sldNum" idx="12"/>
-          </p:nvPr>
-        </p:nvSpPr>
-        <p:spPr/>
-        <p:txBody>
-          <a:bodyPr/>
-          <a:lstStyle/>
-          <a:p>
-            <a:pPr marL="0" lvl="0" indent="0" algn="r" rtl="0">
-              <a:spcBef>
-                <a:spcPts val="0"/>
-              </a:spcBef>
-              <a:spcAft>
-                <a:spcPts val="0"/>
-              </a:spcAft>
-              <a:buNone/>
-            </a:pPr>
-            <a:fld id="{00000000-1234-1234-1234-123412341234}" type="slidenum">
-              <a:rPr lang="fr-FR" smtClean="0"/>
-              <a:t>20</a:t>
-            </a:fld>
-            <a:endParaRPr lang="fr-FR"/>
-          </a:p>
-        </p:txBody>
-      </p:sp>
-    </p:spTree>
-    <p:extLst>
-      <p:ext uri="{BB962C8B-B14F-4D97-AF65-F5344CB8AC3E}">
-        <p14:creationId xmlns:p14="http://schemas.microsoft.com/office/powerpoint/2010/main" val="31446237"/>
-      </p:ext>
-    </p:extLst>
-  </p:cSld>
-  <p:clrMapOvr>
-    <a:masterClrMapping/>
-  </p:clrMapOvr>
-</p:sld>
-</file>
-
-<file path=ppt/slides/slide21.xml><?xml version="1.0" encoding="utf-8"?>
-<p:sld xmlns:a="http://schemas.openxmlformats.org/drawingml/2006/main" xmlns:r="http://schemas.openxmlformats.org/officeDocument/2006/relationships" xmlns:p="http://schemas.openxmlformats.org/presentationml/2006/main">
-  <p:cSld>
-    <p:spTree>
-      <p:nvGrpSpPr>
         <p:cNvPr id="1" name="Shape 319"/>
         <p:cNvGrpSpPr/>
         <p:nvPr/>
@@ -22634,7 +22512,7 @@
             </a:pPr>
             <a:fld id="{00000000-1234-1234-1234-123412341234}" type="slidenum">
               <a:rPr lang="en"/>
-              <a:t>21</a:t>
+              <a:t>20</a:t>
             </a:fld>
             <a:endParaRPr/>
           </a:p>
@@ -22648,7 +22526,7 @@
 </p:sld>
 </file>
 
-<file path=ppt/slides/slide22.xml><?xml version="1.0" encoding="utf-8"?>
+<file path=ppt/slides/slide21.xml><?xml version="1.0" encoding="utf-8"?>
 <p:sld xmlns:a="http://schemas.openxmlformats.org/drawingml/2006/main" xmlns:r="http://schemas.openxmlformats.org/officeDocument/2006/relationships" xmlns:p="http://schemas.openxmlformats.org/presentationml/2006/main">
   <p:cSld>
     <p:spTree>
@@ -22701,7 +22579,7 @@
             </a:pPr>
             <a:fld id="{00000000-1234-1234-1234-123412341234}" type="slidenum">
               <a:rPr lang="en"/>
-              <a:t>22</a:t>
+              <a:t>21</a:t>
             </a:fld>
             <a:endParaRPr/>
           </a:p>
@@ -23006,7 +22884,7 @@
 </p:sld>
 </file>
 
-<file path=ppt/slides/slide23.xml><?xml version="1.0" encoding="utf-8"?>
+<file path=ppt/slides/slide22.xml><?xml version="1.0" encoding="utf-8"?>
 <p:sld xmlns:a="http://schemas.openxmlformats.org/drawingml/2006/main" xmlns:r="http://schemas.openxmlformats.org/officeDocument/2006/relationships" xmlns:p="http://schemas.openxmlformats.org/presentationml/2006/main">
   <p:cSld>
     <p:spTree>
@@ -23271,7 +23149,7 @@
             </a:pPr>
             <a:fld id="{00000000-1234-1234-1234-123412341234}" type="slidenum">
               <a:rPr lang="en"/>
-              <a:t>23</a:t>
+              <a:t>22</a:t>
             </a:fld>
             <a:endParaRPr/>
           </a:p>
@@ -23673,7 +23551,7 @@
 </p:sld>
 </file>
 
-<file path=ppt/slides/slide24.xml><?xml version="1.0" encoding="utf-8"?>
+<file path=ppt/slides/slide23.xml><?xml version="1.0" encoding="utf-8"?>
 <p:sld xmlns:a="http://schemas.openxmlformats.org/drawingml/2006/main" xmlns:r="http://schemas.openxmlformats.org/officeDocument/2006/relationships" xmlns:p="http://schemas.openxmlformats.org/presentationml/2006/main">
   <p:cSld>
     <p:spTree>
@@ -24350,7 +24228,7 @@
             </a:pPr>
             <a:fld id="{00000000-1234-1234-1234-123412341234}" type="slidenum">
               <a:rPr lang="en"/>
-              <a:t>24</a:t>
+              <a:t>23</a:t>
             </a:fld>
             <a:endParaRPr/>
           </a:p>
@@ -24503,7 +24381,7 @@
 </p:sld>
 </file>
 
-<file path=ppt/slides/slide25.xml><?xml version="1.0" encoding="utf-8"?>
+<file path=ppt/slides/slide24.xml><?xml version="1.0" encoding="utf-8"?>
 <p:sld xmlns:a="http://schemas.openxmlformats.org/drawingml/2006/main" xmlns:r="http://schemas.openxmlformats.org/officeDocument/2006/relationships" xmlns:p="http://schemas.openxmlformats.org/presentationml/2006/main">
   <p:cSld>
     <p:spTree>
@@ -24693,7 +24571,7 @@
             </a:pPr>
             <a:fld id="{00000000-1234-1234-1234-123412341234}" type="slidenum">
               <a:rPr lang="en"/>
-              <a:t>25</a:t>
+              <a:t>24</a:t>
             </a:fld>
             <a:endParaRPr/>
           </a:p>
@@ -25055,7 +24933,7 @@
 </p:sld>
 </file>
 
-<file path=ppt/slides/slide26.xml><?xml version="1.0" encoding="utf-8"?>
+<file path=ppt/slides/slide25.xml><?xml version="1.0" encoding="utf-8"?>
 <p:sld xmlns:a="http://schemas.openxmlformats.org/drawingml/2006/main" xmlns:r="http://schemas.openxmlformats.org/officeDocument/2006/relationships" xmlns:p="http://schemas.openxmlformats.org/presentationml/2006/main">
   <p:cSld>
     <p:spTree>
@@ -25108,7 +24986,7 @@
             </a:pPr>
             <a:fld id="{00000000-1234-1234-1234-123412341234}" type="slidenum">
               <a:rPr lang="en"/>
-              <a:t>26</a:t>
+              <a:t>25</a:t>
             </a:fld>
             <a:endParaRPr/>
           </a:p>
@@ -25645,7 +25523,7 @@
                 <a:cs typeface="Roboto"/>
                 <a:sym typeface="Roboto"/>
               </a:rPr>
-              <a:t>  "range to" operator </a:t>
+              <a:t>  "range to"</a:t>
             </a:r>
             <a:r>
               <a:rPr lang="en" sz="1800" dirty="0">
@@ -25703,7 +25581,7 @@
 </p:sld>
 </file>
 
-<file path=ppt/slides/slide27.xml><?xml version="1.0" encoding="utf-8"?>
+<file path=ppt/slides/slide26.xml><?xml version="1.0" encoding="utf-8"?>
 <p:sld xmlns:a="http://schemas.openxmlformats.org/drawingml/2006/main" xmlns:r="http://schemas.openxmlformats.org/officeDocument/2006/relationships" xmlns:p="http://schemas.openxmlformats.org/presentationml/2006/main">
   <p:cSld>
     <p:spTree>
@@ -26161,7 +26039,7 @@
             </a:pPr>
             <a:fld id="{00000000-1234-1234-1234-123412341234}" type="slidenum">
               <a:rPr lang="en"/>
-              <a:t>27</a:t>
+              <a:t>26</a:t>
             </a:fld>
             <a:endParaRPr/>
           </a:p>
@@ -26381,7 +26259,7 @@
                 <a:cs typeface="Courier New"/>
                 <a:sym typeface="Courier New"/>
               </a:rPr>
-              <a:t>when</a:t>
+              <a:t>if</a:t>
             </a:r>
             <a:r>
               <a:rPr lang="en" sz="1800" dirty="0">
@@ -26562,7 +26440,7 @@
 </p:sld>
 </file>
 
-<file path=ppt/slides/slide28.xml><?xml version="1.0" encoding="utf-8"?>
+<file path=ppt/slides/slide27.xml><?xml version="1.0" encoding="utf-8"?>
 <p:sld xmlns:a="http://schemas.openxmlformats.org/drawingml/2006/main" xmlns:r="http://schemas.openxmlformats.org/officeDocument/2006/relationships" xmlns:p="http://schemas.openxmlformats.org/presentationml/2006/main">
   <p:cSld>
     <p:spTree>
@@ -26973,7 +26851,7 @@
             </a:pPr>
             <a:fld id="{00000000-1234-1234-1234-123412341234}" type="slidenum">
               <a:rPr lang="en"/>
-              <a:t>28</a:t>
+              <a:t>27</a:t>
             </a:fld>
             <a:endParaRPr/>
           </a:p>
@@ -27370,7 +27248,7 @@
 </p:sld>
 </file>
 
-<file path=ppt/slides/slide29.xml><?xml version="1.0" encoding="utf-8"?>
+<file path=ppt/slides/slide28.xml><?xml version="1.0" encoding="utf-8"?>
 <p:sld xmlns:a="http://schemas.openxmlformats.org/drawingml/2006/main" xmlns:r="http://schemas.openxmlformats.org/officeDocument/2006/relationships" xmlns:p="http://schemas.openxmlformats.org/presentationml/2006/main">
   <p:cSld>
     <p:spTree>
@@ -27838,7 +27716,7 @@
             </a:pPr>
             <a:fld id="{00000000-1234-1234-1234-123412341234}" type="slidenum">
               <a:rPr lang="en"/>
-              <a:t>29</a:t>
+              <a:t>28</a:t>
             </a:fld>
             <a:endParaRPr/>
           </a:p>
@@ -27977,6 +27855,1139 @@
                 <a:sym typeface="Consolas"/>
               </a:rPr>
               <a:t>Item at 2 is canary</a:t>
+            </a:r>
+            <a:endParaRPr sz="1800">
+              <a:latin typeface="Consolas"/>
+              <a:ea typeface="Consolas"/>
+              <a:cs typeface="Consolas"/>
+              <a:sym typeface="Consolas"/>
+            </a:endParaRPr>
+          </a:p>
+        </p:txBody>
+      </p:sp>
+    </p:spTree>
+  </p:cSld>
+  <p:clrMapOvr>
+    <a:masterClrMapping/>
+  </p:clrMapOvr>
+</p:sld>
+</file>
+
+<file path=ppt/slides/slide29.xml><?xml version="1.0" encoding="utf-8"?>
+<p:sld xmlns:a="http://schemas.openxmlformats.org/drawingml/2006/main" xmlns:r="http://schemas.openxmlformats.org/officeDocument/2006/relationships" xmlns:p="http://schemas.openxmlformats.org/presentationml/2006/main">
+  <p:cSld>
+    <p:spTree>
+      <p:nvGrpSpPr>
+        <p:cNvPr id="1" name="Shape 393"/>
+        <p:cNvGrpSpPr/>
+        <p:nvPr/>
+      </p:nvGrpSpPr>
+      <p:grpSpPr>
+        <a:xfrm>
+          <a:off x="0" y="0"/>
+          <a:ext cx="0" cy="0"/>
+          <a:chOff x="0" y="0"/>
+          <a:chExt cx="0" cy="0"/>
+        </a:xfrm>
+      </p:grpSpPr>
+      <p:sp>
+        <p:nvSpPr>
+          <p:cNvPr id="394" name="Google Shape;394;p47"/>
+          <p:cNvSpPr txBox="1">
+            <a:spLocks noGrp="1"/>
+          </p:cNvSpPr>
+          <p:nvPr>
+            <p:ph type="title"/>
+          </p:nvPr>
+        </p:nvSpPr>
+        <p:spPr>
+          <a:xfrm>
+            <a:off x="311700" y="247025"/>
+            <a:ext cx="8657700" cy="572700"/>
+          </a:xfrm>
+          <a:prstGeom prst="rect">
+            <a:avLst/>
+          </a:prstGeom>
+        </p:spPr>
+        <p:txBody>
+          <a:bodyPr spcFirstLastPara="1" wrap="square" lIns="91425" tIns="91425" rIns="91425" bIns="91425" anchor="b" anchorCtr="0">
+            <a:noAutofit/>
+          </a:bodyPr>
+          <a:lstStyle/>
+          <a:p>
+            <a:pPr marL="0" lvl="0" indent="0" algn="l" rtl="0">
+              <a:spcBef>
+                <a:spcPts val="0"/>
+              </a:spcBef>
+              <a:spcAft>
+                <a:spcPts val="0"/>
+              </a:spcAft>
+              <a:buClr>
+                <a:schemeClr val="dk1"/>
+              </a:buClr>
+              <a:buSzPts val="1100"/>
+              <a:buFont typeface="Arial"/>
+              <a:buNone/>
+            </a:pPr>
+            <a:r>
+              <a:rPr lang="en" dirty="0"/>
+              <a:t>Boucle for : pas, taille et range</a:t>
+            </a:r>
+            <a:endParaRPr dirty="0">
+              <a:solidFill>
+                <a:srgbClr val="FFFFFF"/>
+              </a:solidFill>
+            </a:endParaRPr>
+          </a:p>
+        </p:txBody>
+      </p:sp>
+      <p:sp>
+        <p:nvSpPr>
+          <p:cNvPr id="395" name="Google Shape;395;p47"/>
+          <p:cNvSpPr txBox="1">
+            <a:spLocks noGrp="1"/>
+          </p:cNvSpPr>
+          <p:nvPr>
+            <p:ph type="body" idx="1"/>
+          </p:nvPr>
+        </p:nvSpPr>
+        <p:spPr>
+          <a:xfrm>
+            <a:off x="311700" y="1124965"/>
+            <a:ext cx="8398800" cy="692400"/>
+          </a:xfrm>
+          <a:prstGeom prst="rect">
+            <a:avLst/>
+          </a:prstGeom>
+        </p:spPr>
+        <p:txBody>
+          <a:bodyPr spcFirstLastPara="1" wrap="square" lIns="91425" tIns="91425" rIns="91425" bIns="91425" anchor="t" anchorCtr="0">
+            <a:noAutofit/>
+          </a:bodyPr>
+          <a:lstStyle/>
+          <a:p>
+            <a:pPr marL="0" lvl="0" indent="0" algn="l" rtl="0">
+              <a:lnSpc>
+                <a:spcPct val="150000"/>
+              </a:lnSpc>
+              <a:spcBef>
+                <a:spcPts val="0"/>
+              </a:spcBef>
+              <a:spcAft>
+                <a:spcPts val="0"/>
+              </a:spcAft>
+              <a:buNone/>
+            </a:pPr>
+            <a:r>
+              <a:rPr lang="en" sz="1800">
+                <a:solidFill>
+                  <a:srgbClr val="3F51B5"/>
+                </a:solidFill>
+                <a:latin typeface="Consolas"/>
+                <a:ea typeface="Consolas"/>
+                <a:cs typeface="Consolas"/>
+                <a:sym typeface="Consolas"/>
+              </a:rPr>
+              <a:t>for</a:t>
+            </a:r>
+            <a:r>
+              <a:rPr lang="en" sz="1800">
+                <a:solidFill>
+                  <a:srgbClr val="37474F"/>
+                </a:solidFill>
+                <a:latin typeface="Consolas"/>
+                <a:ea typeface="Consolas"/>
+                <a:cs typeface="Consolas"/>
+                <a:sym typeface="Consolas"/>
+              </a:rPr>
+              <a:t> (i</a:t>
+            </a:r>
+            <a:r>
+              <a:rPr lang="en" sz="1800" b="1">
+                <a:solidFill>
+                  <a:srgbClr val="37474F"/>
+                </a:solidFill>
+                <a:latin typeface="Consolas"/>
+                <a:ea typeface="Consolas"/>
+                <a:cs typeface="Consolas"/>
+                <a:sym typeface="Consolas"/>
+              </a:rPr>
+              <a:t> </a:t>
+            </a:r>
+            <a:r>
+              <a:rPr lang="en" sz="1800" b="1">
+                <a:solidFill>
+                  <a:srgbClr val="3F51B5"/>
+                </a:solidFill>
+                <a:latin typeface="Consolas"/>
+                <a:ea typeface="Consolas"/>
+                <a:cs typeface="Consolas"/>
+                <a:sym typeface="Consolas"/>
+              </a:rPr>
+              <a:t>in</a:t>
+            </a:r>
+            <a:r>
+              <a:rPr lang="en" sz="1800" b="1">
+                <a:solidFill>
+                  <a:srgbClr val="37474F"/>
+                </a:solidFill>
+                <a:latin typeface="Consolas"/>
+                <a:ea typeface="Consolas"/>
+                <a:cs typeface="Consolas"/>
+                <a:sym typeface="Consolas"/>
+              </a:rPr>
+              <a:t> </a:t>
+            </a:r>
+            <a:r>
+              <a:rPr lang="en" sz="1800" b="1">
+                <a:solidFill>
+                  <a:srgbClr val="C53929"/>
+                </a:solidFill>
+                <a:latin typeface="Consolas"/>
+                <a:ea typeface="Consolas"/>
+                <a:cs typeface="Consolas"/>
+                <a:sym typeface="Consolas"/>
+              </a:rPr>
+              <a:t>1</a:t>
+            </a:r>
+            <a:r>
+              <a:rPr lang="en" sz="1800" b="1">
+                <a:solidFill>
+                  <a:srgbClr val="37474F"/>
+                </a:solidFill>
+                <a:latin typeface="Consolas"/>
+                <a:ea typeface="Consolas"/>
+                <a:cs typeface="Consolas"/>
+                <a:sym typeface="Consolas"/>
+              </a:rPr>
+              <a:t>..</a:t>
+            </a:r>
+            <a:r>
+              <a:rPr lang="en" sz="1800" b="1">
+                <a:solidFill>
+                  <a:srgbClr val="C53929"/>
+                </a:solidFill>
+                <a:latin typeface="Consolas"/>
+                <a:ea typeface="Consolas"/>
+                <a:cs typeface="Consolas"/>
+                <a:sym typeface="Consolas"/>
+              </a:rPr>
+              <a:t>5</a:t>
+            </a:r>
+            <a:r>
+              <a:rPr lang="en" sz="1800">
+                <a:solidFill>
+                  <a:srgbClr val="37474F"/>
+                </a:solidFill>
+                <a:latin typeface="Consolas"/>
+                <a:ea typeface="Consolas"/>
+                <a:cs typeface="Consolas"/>
+                <a:sym typeface="Consolas"/>
+              </a:rPr>
+              <a:t>) print(i)</a:t>
+            </a:r>
+            <a:endParaRPr sz="1800">
+              <a:latin typeface="Consolas"/>
+              <a:ea typeface="Consolas"/>
+              <a:cs typeface="Consolas"/>
+              <a:sym typeface="Consolas"/>
+            </a:endParaRPr>
+          </a:p>
+          <a:p>
+            <a:pPr marL="0" lvl="0" indent="0" algn="l" rtl="0">
+              <a:lnSpc>
+                <a:spcPct val="115000"/>
+              </a:lnSpc>
+              <a:spcBef>
+                <a:spcPts val="0"/>
+              </a:spcBef>
+              <a:spcAft>
+                <a:spcPts val="0"/>
+              </a:spcAft>
+              <a:buNone/>
+            </a:pPr>
+            <a:r>
+              <a:rPr lang="en" sz="1800">
+                <a:solidFill>
+                  <a:srgbClr val="1155CC"/>
+                </a:solidFill>
+                <a:latin typeface="Consolas"/>
+                <a:ea typeface="Consolas"/>
+                <a:cs typeface="Consolas"/>
+                <a:sym typeface="Consolas"/>
+              </a:rPr>
+              <a:t>⇒ 12345</a:t>
+            </a:r>
+            <a:endParaRPr sz="1800">
+              <a:solidFill>
+                <a:srgbClr val="1155CC"/>
+              </a:solidFill>
+              <a:latin typeface="Consolas"/>
+              <a:ea typeface="Consolas"/>
+              <a:cs typeface="Consolas"/>
+              <a:sym typeface="Consolas"/>
+            </a:endParaRPr>
+          </a:p>
+          <a:p>
+            <a:pPr marL="0" lvl="0" indent="0" algn="l" rtl="0">
+              <a:lnSpc>
+                <a:spcPct val="115000"/>
+              </a:lnSpc>
+              <a:spcBef>
+                <a:spcPts val="600"/>
+              </a:spcBef>
+              <a:spcAft>
+                <a:spcPts val="0"/>
+              </a:spcAft>
+              <a:buNone/>
+            </a:pPr>
+            <a:endParaRPr sz="1800">
+              <a:solidFill>
+                <a:srgbClr val="1155CC"/>
+              </a:solidFill>
+              <a:latin typeface="Consolas"/>
+              <a:ea typeface="Consolas"/>
+              <a:cs typeface="Consolas"/>
+              <a:sym typeface="Consolas"/>
+            </a:endParaRPr>
+          </a:p>
+          <a:p>
+            <a:pPr marL="0" lvl="0" indent="0" algn="l" rtl="0">
+              <a:lnSpc>
+                <a:spcPct val="115000"/>
+              </a:lnSpc>
+              <a:spcBef>
+                <a:spcPts val="600"/>
+              </a:spcBef>
+              <a:spcAft>
+                <a:spcPts val="0"/>
+              </a:spcAft>
+              <a:buNone/>
+            </a:pPr>
+            <a:endParaRPr sz="1800" b="1">
+              <a:latin typeface="Consolas"/>
+              <a:ea typeface="Consolas"/>
+              <a:cs typeface="Consolas"/>
+              <a:sym typeface="Consolas"/>
+            </a:endParaRPr>
+          </a:p>
+          <a:p>
+            <a:pPr marL="0" lvl="0" indent="0" algn="l" rtl="0">
+              <a:lnSpc>
+                <a:spcPct val="115000"/>
+              </a:lnSpc>
+              <a:spcBef>
+                <a:spcPts val="600"/>
+              </a:spcBef>
+              <a:spcAft>
+                <a:spcPts val="0"/>
+              </a:spcAft>
+              <a:buNone/>
+            </a:pPr>
+            <a:endParaRPr sz="1800" b="1">
+              <a:latin typeface="Consolas"/>
+              <a:ea typeface="Consolas"/>
+              <a:cs typeface="Consolas"/>
+              <a:sym typeface="Consolas"/>
+            </a:endParaRPr>
+          </a:p>
+          <a:p>
+            <a:pPr marL="0" lvl="0" indent="0" algn="l" rtl="0">
+              <a:lnSpc>
+                <a:spcPct val="115000"/>
+              </a:lnSpc>
+              <a:spcBef>
+                <a:spcPts val="600"/>
+              </a:spcBef>
+              <a:spcAft>
+                <a:spcPts val="0"/>
+              </a:spcAft>
+              <a:buNone/>
+            </a:pPr>
+            <a:endParaRPr sz="1800" b="1">
+              <a:latin typeface="Consolas"/>
+              <a:ea typeface="Consolas"/>
+              <a:cs typeface="Consolas"/>
+              <a:sym typeface="Consolas"/>
+            </a:endParaRPr>
+          </a:p>
+          <a:p>
+            <a:pPr marL="0" lvl="0" indent="0" algn="l" rtl="0">
+              <a:lnSpc>
+                <a:spcPct val="115000"/>
+              </a:lnSpc>
+              <a:spcBef>
+                <a:spcPts val="600"/>
+              </a:spcBef>
+              <a:spcAft>
+                <a:spcPts val="0"/>
+              </a:spcAft>
+              <a:buNone/>
+            </a:pPr>
+            <a:endParaRPr sz="1800" b="1">
+              <a:latin typeface="Consolas"/>
+              <a:ea typeface="Consolas"/>
+              <a:cs typeface="Consolas"/>
+              <a:sym typeface="Consolas"/>
+            </a:endParaRPr>
+          </a:p>
+          <a:p>
+            <a:pPr marL="0" lvl="0" indent="0" algn="l" rtl="0">
+              <a:lnSpc>
+                <a:spcPct val="115000"/>
+              </a:lnSpc>
+              <a:spcBef>
+                <a:spcPts val="600"/>
+              </a:spcBef>
+              <a:spcAft>
+                <a:spcPts val="0"/>
+              </a:spcAft>
+              <a:buNone/>
+            </a:pPr>
+            <a:endParaRPr sz="1800">
+              <a:solidFill>
+                <a:srgbClr val="1155CC"/>
+              </a:solidFill>
+              <a:latin typeface="Consolas"/>
+              <a:ea typeface="Consolas"/>
+              <a:cs typeface="Consolas"/>
+              <a:sym typeface="Consolas"/>
+            </a:endParaRPr>
+          </a:p>
+          <a:p>
+            <a:pPr marL="457200" lvl="0" indent="0" algn="l" rtl="0">
+              <a:lnSpc>
+                <a:spcPct val="115000"/>
+              </a:lnSpc>
+              <a:spcBef>
+                <a:spcPts val="600"/>
+              </a:spcBef>
+              <a:spcAft>
+                <a:spcPts val="0"/>
+              </a:spcAft>
+              <a:buNone/>
+            </a:pPr>
+            <a:endParaRPr sz="1800">
+              <a:solidFill>
+                <a:schemeClr val="dk1"/>
+              </a:solidFill>
+              <a:latin typeface="Consolas"/>
+              <a:ea typeface="Consolas"/>
+              <a:cs typeface="Consolas"/>
+              <a:sym typeface="Consolas"/>
+            </a:endParaRPr>
+          </a:p>
+          <a:p>
+            <a:pPr marL="0" lvl="0" indent="0" algn="l" rtl="0">
+              <a:lnSpc>
+                <a:spcPct val="115000"/>
+              </a:lnSpc>
+              <a:spcBef>
+                <a:spcPts val="600"/>
+              </a:spcBef>
+              <a:spcAft>
+                <a:spcPts val="0"/>
+              </a:spcAft>
+              <a:buNone/>
+            </a:pPr>
+            <a:endParaRPr sz="1800">
+              <a:solidFill>
+                <a:schemeClr val="dk1"/>
+              </a:solidFill>
+              <a:latin typeface="Consolas"/>
+              <a:ea typeface="Consolas"/>
+              <a:cs typeface="Consolas"/>
+              <a:sym typeface="Consolas"/>
+            </a:endParaRPr>
+          </a:p>
+          <a:p>
+            <a:pPr marL="457200" lvl="0" indent="0" algn="l" rtl="0">
+              <a:lnSpc>
+                <a:spcPct val="115000"/>
+              </a:lnSpc>
+              <a:spcBef>
+                <a:spcPts val="600"/>
+              </a:spcBef>
+              <a:spcAft>
+                <a:spcPts val="0"/>
+              </a:spcAft>
+              <a:buNone/>
+            </a:pPr>
+            <a:endParaRPr sz="1800">
+              <a:solidFill>
+                <a:schemeClr val="dk1"/>
+              </a:solidFill>
+              <a:latin typeface="Consolas"/>
+              <a:ea typeface="Consolas"/>
+              <a:cs typeface="Consolas"/>
+              <a:sym typeface="Consolas"/>
+            </a:endParaRPr>
+          </a:p>
+          <a:p>
+            <a:pPr marL="457200" lvl="0" indent="0" algn="l" rtl="0">
+              <a:lnSpc>
+                <a:spcPct val="115000"/>
+              </a:lnSpc>
+              <a:spcBef>
+                <a:spcPts val="600"/>
+              </a:spcBef>
+              <a:spcAft>
+                <a:spcPts val="600"/>
+              </a:spcAft>
+              <a:buNone/>
+            </a:pPr>
+            <a:endParaRPr sz="1800">
+              <a:solidFill>
+                <a:schemeClr val="dk1"/>
+              </a:solidFill>
+              <a:highlight>
+                <a:srgbClr val="FFFFFF"/>
+              </a:highlight>
+              <a:latin typeface="Consolas"/>
+              <a:ea typeface="Consolas"/>
+              <a:cs typeface="Consolas"/>
+              <a:sym typeface="Consolas"/>
+            </a:endParaRPr>
+          </a:p>
+        </p:txBody>
+      </p:sp>
+      <p:sp>
+        <p:nvSpPr>
+          <p:cNvPr id="396" name="Google Shape;396;p47"/>
+          <p:cNvSpPr txBox="1">
+            <a:spLocks noGrp="1"/>
+          </p:cNvSpPr>
+          <p:nvPr>
+            <p:ph type="sldNum" idx="12"/>
+          </p:nvPr>
+        </p:nvSpPr>
+        <p:spPr>
+          <a:xfrm>
+            <a:off x="8548658" y="4739417"/>
+            <a:ext cx="548700" cy="393600"/>
+          </a:xfrm>
+          <a:prstGeom prst="rect">
+            <a:avLst/>
+          </a:prstGeom>
+        </p:spPr>
+        <p:txBody>
+          <a:bodyPr spcFirstLastPara="1" wrap="square" lIns="91425" tIns="91425" rIns="91425" bIns="91425" anchor="ctr" anchorCtr="0">
+            <a:noAutofit/>
+          </a:bodyPr>
+          <a:lstStyle/>
+          <a:p>
+            <a:pPr marL="0" lvl="0" indent="0" algn="r" rtl="0">
+              <a:spcBef>
+                <a:spcPts val="0"/>
+              </a:spcBef>
+              <a:spcAft>
+                <a:spcPts val="0"/>
+              </a:spcAft>
+              <a:buNone/>
+            </a:pPr>
+            <a:fld id="{00000000-1234-1234-1234-123412341234}" type="slidenum">
+              <a:rPr lang="en"/>
+              <a:t>29</a:t>
+            </a:fld>
+            <a:endParaRPr/>
+          </a:p>
+        </p:txBody>
+      </p:sp>
+      <p:sp>
+        <p:nvSpPr>
+          <p:cNvPr id="397" name="Google Shape;397;p47"/>
+          <p:cNvSpPr txBox="1"/>
+          <p:nvPr/>
+        </p:nvSpPr>
+        <p:spPr>
+          <a:xfrm>
+            <a:off x="311700" y="1936225"/>
+            <a:ext cx="6459000" cy="692400"/>
+          </a:xfrm>
+          <a:prstGeom prst="rect">
+            <a:avLst/>
+          </a:prstGeom>
+          <a:noFill/>
+          <a:ln>
+            <a:noFill/>
+          </a:ln>
+        </p:spPr>
+        <p:txBody>
+          <a:bodyPr spcFirstLastPara="1" wrap="square" lIns="91425" tIns="91425" rIns="91425" bIns="91425" anchor="t" anchorCtr="0">
+            <a:noAutofit/>
+          </a:bodyPr>
+          <a:lstStyle/>
+          <a:p>
+            <a:pPr marL="0" lvl="0" indent="0" algn="l" rtl="0">
+              <a:lnSpc>
+                <a:spcPct val="150000"/>
+              </a:lnSpc>
+              <a:spcBef>
+                <a:spcPts val="0"/>
+              </a:spcBef>
+              <a:spcAft>
+                <a:spcPts val="0"/>
+              </a:spcAft>
+              <a:buClr>
+                <a:schemeClr val="dk1"/>
+              </a:buClr>
+              <a:buSzPts val="1100"/>
+              <a:buFont typeface="Arial"/>
+              <a:buNone/>
+            </a:pPr>
+            <a:r>
+              <a:rPr lang="en" sz="1800">
+                <a:solidFill>
+                  <a:srgbClr val="3F51B5"/>
+                </a:solidFill>
+                <a:latin typeface="Consolas"/>
+                <a:ea typeface="Consolas"/>
+                <a:cs typeface="Consolas"/>
+                <a:sym typeface="Consolas"/>
+              </a:rPr>
+              <a:t>for</a:t>
+            </a:r>
+            <a:r>
+              <a:rPr lang="en" sz="1800">
+                <a:solidFill>
+                  <a:srgbClr val="37474F"/>
+                </a:solidFill>
+                <a:latin typeface="Consolas"/>
+                <a:ea typeface="Consolas"/>
+                <a:cs typeface="Consolas"/>
+                <a:sym typeface="Consolas"/>
+              </a:rPr>
+              <a:t> (i </a:t>
+            </a:r>
+            <a:r>
+              <a:rPr lang="en" sz="1800" b="1">
+                <a:solidFill>
+                  <a:srgbClr val="3F51B5"/>
+                </a:solidFill>
+                <a:latin typeface="Consolas"/>
+                <a:ea typeface="Consolas"/>
+                <a:cs typeface="Consolas"/>
+                <a:sym typeface="Consolas"/>
+              </a:rPr>
+              <a:t>in</a:t>
+            </a:r>
+            <a:r>
+              <a:rPr lang="en" sz="1800" b="1">
+                <a:solidFill>
+                  <a:srgbClr val="37474F"/>
+                </a:solidFill>
+                <a:latin typeface="Consolas"/>
+                <a:ea typeface="Consolas"/>
+                <a:cs typeface="Consolas"/>
+                <a:sym typeface="Consolas"/>
+              </a:rPr>
+              <a:t> </a:t>
+            </a:r>
+            <a:r>
+              <a:rPr lang="en" sz="1800" b="1">
+                <a:solidFill>
+                  <a:srgbClr val="C53929"/>
+                </a:solidFill>
+                <a:latin typeface="Consolas"/>
+                <a:ea typeface="Consolas"/>
+                <a:cs typeface="Consolas"/>
+                <a:sym typeface="Consolas"/>
+              </a:rPr>
+              <a:t>5</a:t>
+            </a:r>
+            <a:r>
+              <a:rPr lang="en" sz="1800" b="1">
+                <a:solidFill>
+                  <a:srgbClr val="37474F"/>
+                </a:solidFill>
+                <a:latin typeface="Consolas"/>
+                <a:ea typeface="Consolas"/>
+                <a:cs typeface="Consolas"/>
+                <a:sym typeface="Consolas"/>
+              </a:rPr>
+              <a:t> downTo </a:t>
+            </a:r>
+            <a:r>
+              <a:rPr lang="en" sz="1800" b="1">
+                <a:solidFill>
+                  <a:srgbClr val="C53929"/>
+                </a:solidFill>
+                <a:latin typeface="Consolas"/>
+                <a:ea typeface="Consolas"/>
+                <a:cs typeface="Consolas"/>
+                <a:sym typeface="Consolas"/>
+              </a:rPr>
+              <a:t>1</a:t>
+            </a:r>
+            <a:r>
+              <a:rPr lang="en" sz="1800">
+                <a:solidFill>
+                  <a:srgbClr val="37474F"/>
+                </a:solidFill>
+                <a:latin typeface="Consolas"/>
+                <a:ea typeface="Consolas"/>
+                <a:cs typeface="Consolas"/>
+                <a:sym typeface="Consolas"/>
+              </a:rPr>
+              <a:t>) print(i)</a:t>
+            </a:r>
+            <a:endParaRPr sz="1800">
+              <a:solidFill>
+                <a:schemeClr val="dk1"/>
+              </a:solidFill>
+              <a:latin typeface="Consolas"/>
+              <a:ea typeface="Consolas"/>
+              <a:cs typeface="Consolas"/>
+              <a:sym typeface="Consolas"/>
+            </a:endParaRPr>
+          </a:p>
+          <a:p>
+            <a:pPr marL="0" lvl="0" indent="0" algn="l" rtl="0">
+              <a:lnSpc>
+                <a:spcPct val="115000"/>
+              </a:lnSpc>
+              <a:spcBef>
+                <a:spcPts val="0"/>
+              </a:spcBef>
+              <a:spcAft>
+                <a:spcPts val="600"/>
+              </a:spcAft>
+              <a:buClr>
+                <a:schemeClr val="dk1"/>
+              </a:buClr>
+              <a:buSzPts val="1100"/>
+              <a:buFont typeface="Arial"/>
+              <a:buNone/>
+            </a:pPr>
+            <a:r>
+              <a:rPr lang="en" sz="1800">
+                <a:solidFill>
+                  <a:srgbClr val="1155CC"/>
+                </a:solidFill>
+                <a:latin typeface="Consolas"/>
+                <a:ea typeface="Consolas"/>
+                <a:cs typeface="Consolas"/>
+                <a:sym typeface="Consolas"/>
+              </a:rPr>
+              <a:t>⇒ 54321</a:t>
+            </a:r>
+            <a:endParaRPr sz="1800">
+              <a:latin typeface="Consolas"/>
+              <a:ea typeface="Consolas"/>
+              <a:cs typeface="Consolas"/>
+              <a:sym typeface="Consolas"/>
+            </a:endParaRPr>
+          </a:p>
+        </p:txBody>
+      </p:sp>
+      <p:sp>
+        <p:nvSpPr>
+          <p:cNvPr id="398" name="Google Shape;398;p47"/>
+          <p:cNvSpPr txBox="1"/>
+          <p:nvPr/>
+        </p:nvSpPr>
+        <p:spPr>
+          <a:xfrm>
+            <a:off x="311700" y="2767727"/>
+            <a:ext cx="4796400" cy="692400"/>
+          </a:xfrm>
+          <a:prstGeom prst="rect">
+            <a:avLst/>
+          </a:prstGeom>
+          <a:noFill/>
+          <a:ln>
+            <a:noFill/>
+          </a:ln>
+        </p:spPr>
+        <p:txBody>
+          <a:bodyPr spcFirstLastPara="1" wrap="square" lIns="91425" tIns="91425" rIns="91425" bIns="91425" anchor="t" anchorCtr="0">
+            <a:noAutofit/>
+          </a:bodyPr>
+          <a:lstStyle/>
+          <a:p>
+            <a:pPr marL="0" lvl="0" indent="0" algn="l" rtl="0">
+              <a:lnSpc>
+                <a:spcPct val="150000"/>
+              </a:lnSpc>
+              <a:spcBef>
+                <a:spcPts val="0"/>
+              </a:spcBef>
+              <a:spcAft>
+                <a:spcPts val="0"/>
+              </a:spcAft>
+              <a:buClr>
+                <a:schemeClr val="dk1"/>
+              </a:buClr>
+              <a:buSzPts val="1100"/>
+              <a:buFont typeface="Arial"/>
+              <a:buNone/>
+            </a:pPr>
+            <a:r>
+              <a:rPr lang="en" sz="1800">
+                <a:solidFill>
+                  <a:srgbClr val="3F51B5"/>
+                </a:solidFill>
+                <a:latin typeface="Roboto Mono"/>
+                <a:ea typeface="Roboto Mono"/>
+                <a:cs typeface="Roboto Mono"/>
+                <a:sym typeface="Roboto Mono"/>
+              </a:rPr>
+              <a:t>for</a:t>
+            </a:r>
+            <a:r>
+              <a:rPr lang="en" sz="1800">
+                <a:solidFill>
+                  <a:srgbClr val="37474F"/>
+                </a:solidFill>
+                <a:latin typeface="Roboto Mono"/>
+                <a:ea typeface="Roboto Mono"/>
+                <a:cs typeface="Roboto Mono"/>
+                <a:sym typeface="Roboto Mono"/>
+              </a:rPr>
+              <a:t> (i </a:t>
+            </a:r>
+            <a:r>
+              <a:rPr lang="en" sz="1800" b="1">
+                <a:solidFill>
+                  <a:srgbClr val="3F51B5"/>
+                </a:solidFill>
+                <a:latin typeface="Roboto Mono"/>
+                <a:ea typeface="Roboto Mono"/>
+                <a:cs typeface="Roboto Mono"/>
+                <a:sym typeface="Roboto Mono"/>
+              </a:rPr>
+              <a:t>in</a:t>
+            </a:r>
+            <a:r>
+              <a:rPr lang="en" sz="1800" b="1">
+                <a:solidFill>
+                  <a:srgbClr val="37474F"/>
+                </a:solidFill>
+                <a:latin typeface="Roboto Mono"/>
+                <a:ea typeface="Roboto Mono"/>
+                <a:cs typeface="Roboto Mono"/>
+                <a:sym typeface="Roboto Mono"/>
+              </a:rPr>
+              <a:t> </a:t>
+            </a:r>
+            <a:r>
+              <a:rPr lang="en" sz="1800" b="1">
+                <a:solidFill>
+                  <a:srgbClr val="C53929"/>
+                </a:solidFill>
+                <a:latin typeface="Roboto Mono"/>
+                <a:ea typeface="Roboto Mono"/>
+                <a:cs typeface="Roboto Mono"/>
+                <a:sym typeface="Roboto Mono"/>
+              </a:rPr>
+              <a:t>3</a:t>
+            </a:r>
+            <a:r>
+              <a:rPr lang="en" sz="1800" b="1">
+                <a:solidFill>
+                  <a:srgbClr val="37474F"/>
+                </a:solidFill>
+                <a:latin typeface="Roboto Mono"/>
+                <a:ea typeface="Roboto Mono"/>
+                <a:cs typeface="Roboto Mono"/>
+                <a:sym typeface="Roboto Mono"/>
+              </a:rPr>
+              <a:t>..</a:t>
+            </a:r>
+            <a:r>
+              <a:rPr lang="en" sz="1800" b="1">
+                <a:solidFill>
+                  <a:srgbClr val="C53929"/>
+                </a:solidFill>
+                <a:latin typeface="Roboto Mono"/>
+                <a:ea typeface="Roboto Mono"/>
+                <a:cs typeface="Roboto Mono"/>
+                <a:sym typeface="Roboto Mono"/>
+              </a:rPr>
+              <a:t>6</a:t>
+            </a:r>
+            <a:r>
+              <a:rPr lang="en" sz="1800" b="1">
+                <a:solidFill>
+                  <a:srgbClr val="37474F"/>
+                </a:solidFill>
+                <a:latin typeface="Roboto Mono"/>
+                <a:ea typeface="Roboto Mono"/>
+                <a:cs typeface="Roboto Mono"/>
+                <a:sym typeface="Roboto Mono"/>
+              </a:rPr>
+              <a:t> step </a:t>
+            </a:r>
+            <a:r>
+              <a:rPr lang="en" sz="1800" b="1">
+                <a:solidFill>
+                  <a:srgbClr val="C53929"/>
+                </a:solidFill>
+                <a:latin typeface="Roboto Mono"/>
+                <a:ea typeface="Roboto Mono"/>
+                <a:cs typeface="Roboto Mono"/>
+                <a:sym typeface="Roboto Mono"/>
+              </a:rPr>
+              <a:t>2</a:t>
+            </a:r>
+            <a:r>
+              <a:rPr lang="en" sz="1800">
+                <a:solidFill>
+                  <a:srgbClr val="37474F"/>
+                </a:solidFill>
+                <a:latin typeface="Roboto Mono"/>
+                <a:ea typeface="Roboto Mono"/>
+                <a:cs typeface="Roboto Mono"/>
+                <a:sym typeface="Roboto Mono"/>
+              </a:rPr>
+              <a:t>) print(i)</a:t>
+            </a:r>
+            <a:endParaRPr sz="1800">
+              <a:solidFill>
+                <a:schemeClr val="dk1"/>
+              </a:solidFill>
+              <a:latin typeface="Consolas"/>
+              <a:ea typeface="Consolas"/>
+              <a:cs typeface="Consolas"/>
+              <a:sym typeface="Consolas"/>
+            </a:endParaRPr>
+          </a:p>
+          <a:p>
+            <a:pPr marL="0" lvl="0" indent="0" algn="l" rtl="0">
+              <a:lnSpc>
+                <a:spcPct val="115000"/>
+              </a:lnSpc>
+              <a:spcBef>
+                <a:spcPts val="0"/>
+              </a:spcBef>
+              <a:spcAft>
+                <a:spcPts val="0"/>
+              </a:spcAft>
+              <a:buClr>
+                <a:schemeClr val="dk1"/>
+              </a:buClr>
+              <a:buSzPts val="1100"/>
+              <a:buFont typeface="Arial"/>
+              <a:buNone/>
+            </a:pPr>
+            <a:r>
+              <a:rPr lang="en" sz="1800">
+                <a:solidFill>
+                  <a:srgbClr val="1155CC"/>
+                </a:solidFill>
+                <a:latin typeface="Consolas"/>
+                <a:ea typeface="Consolas"/>
+                <a:cs typeface="Consolas"/>
+                <a:sym typeface="Consolas"/>
+              </a:rPr>
+              <a:t>⇒ 35</a:t>
+            </a:r>
+            <a:endParaRPr sz="1800">
+              <a:solidFill>
+                <a:srgbClr val="1155CC"/>
+              </a:solidFill>
+              <a:latin typeface="Consolas"/>
+              <a:ea typeface="Consolas"/>
+              <a:cs typeface="Consolas"/>
+              <a:sym typeface="Consolas"/>
+            </a:endParaRPr>
+          </a:p>
+          <a:p>
+            <a:pPr marL="0" lvl="0" indent="0" algn="l" rtl="0">
+              <a:spcBef>
+                <a:spcPts val="600"/>
+              </a:spcBef>
+              <a:spcAft>
+                <a:spcPts val="0"/>
+              </a:spcAft>
+              <a:buNone/>
+            </a:pPr>
+            <a:endParaRPr>
+              <a:latin typeface="Roboto"/>
+              <a:ea typeface="Roboto"/>
+              <a:cs typeface="Roboto"/>
+              <a:sym typeface="Roboto"/>
+            </a:endParaRPr>
+          </a:p>
+        </p:txBody>
+      </p:sp>
+      <p:sp>
+        <p:nvSpPr>
+          <p:cNvPr id="399" name="Google Shape;399;p47"/>
+          <p:cNvSpPr txBox="1"/>
+          <p:nvPr/>
+        </p:nvSpPr>
+        <p:spPr>
+          <a:xfrm>
+            <a:off x="311700" y="3680400"/>
+            <a:ext cx="4260300" cy="692400"/>
+          </a:xfrm>
+          <a:prstGeom prst="rect">
+            <a:avLst/>
+          </a:prstGeom>
+          <a:noFill/>
+          <a:ln>
+            <a:noFill/>
+          </a:ln>
+        </p:spPr>
+        <p:txBody>
+          <a:bodyPr spcFirstLastPara="1" wrap="square" lIns="91425" tIns="91425" rIns="91425" bIns="91425" anchor="t" anchorCtr="0">
+            <a:noAutofit/>
+          </a:bodyPr>
+          <a:lstStyle/>
+          <a:p>
+            <a:pPr marL="0" lvl="0" indent="0" algn="l" rtl="0">
+              <a:lnSpc>
+                <a:spcPct val="150000"/>
+              </a:lnSpc>
+              <a:spcBef>
+                <a:spcPts val="0"/>
+              </a:spcBef>
+              <a:spcAft>
+                <a:spcPts val="0"/>
+              </a:spcAft>
+              <a:buClr>
+                <a:schemeClr val="dk1"/>
+              </a:buClr>
+              <a:buSzPts val="1100"/>
+              <a:buFont typeface="Arial"/>
+              <a:buNone/>
+            </a:pPr>
+            <a:r>
+              <a:rPr lang="en" sz="1800">
+                <a:solidFill>
+                  <a:srgbClr val="3F51B5"/>
+                </a:solidFill>
+                <a:latin typeface="Roboto Mono"/>
+                <a:ea typeface="Roboto Mono"/>
+                <a:cs typeface="Roboto Mono"/>
+                <a:sym typeface="Roboto Mono"/>
+              </a:rPr>
+              <a:t>for</a:t>
+            </a:r>
+            <a:r>
+              <a:rPr lang="en" sz="1800">
+                <a:solidFill>
+                  <a:srgbClr val="37474F"/>
+                </a:solidFill>
+                <a:latin typeface="Roboto Mono"/>
+                <a:ea typeface="Roboto Mono"/>
+                <a:cs typeface="Roboto Mono"/>
+                <a:sym typeface="Roboto Mono"/>
+              </a:rPr>
+              <a:t> (i </a:t>
+            </a:r>
+            <a:r>
+              <a:rPr lang="en" sz="1800" b="1">
+                <a:solidFill>
+                  <a:srgbClr val="3F51B5"/>
+                </a:solidFill>
+                <a:latin typeface="Roboto Mono"/>
+                <a:ea typeface="Roboto Mono"/>
+                <a:cs typeface="Roboto Mono"/>
+                <a:sym typeface="Roboto Mono"/>
+              </a:rPr>
+              <a:t>in</a:t>
+            </a:r>
+            <a:r>
+              <a:rPr lang="en" sz="1800" b="1">
+                <a:solidFill>
+                  <a:srgbClr val="37474F"/>
+                </a:solidFill>
+                <a:latin typeface="Roboto Mono"/>
+                <a:ea typeface="Roboto Mono"/>
+                <a:cs typeface="Roboto Mono"/>
+                <a:sym typeface="Roboto Mono"/>
+              </a:rPr>
+              <a:t> </a:t>
+            </a:r>
+            <a:r>
+              <a:rPr lang="en" sz="1800" b="1">
+                <a:solidFill>
+                  <a:srgbClr val="388E3C"/>
+                </a:solidFill>
+                <a:latin typeface="Roboto Mono"/>
+                <a:ea typeface="Roboto Mono"/>
+                <a:cs typeface="Roboto Mono"/>
+                <a:sym typeface="Roboto Mono"/>
+              </a:rPr>
+              <a:t>'d'</a:t>
+            </a:r>
+            <a:r>
+              <a:rPr lang="en" sz="1800" b="1">
+                <a:solidFill>
+                  <a:srgbClr val="37474F"/>
+                </a:solidFill>
+                <a:latin typeface="Roboto Mono"/>
+                <a:ea typeface="Roboto Mono"/>
+                <a:cs typeface="Roboto Mono"/>
+                <a:sym typeface="Roboto Mono"/>
+              </a:rPr>
+              <a:t>..</a:t>
+            </a:r>
+            <a:r>
+              <a:rPr lang="en" sz="1800" b="1">
+                <a:solidFill>
+                  <a:srgbClr val="388E3C"/>
+                </a:solidFill>
+                <a:latin typeface="Roboto Mono"/>
+                <a:ea typeface="Roboto Mono"/>
+                <a:cs typeface="Roboto Mono"/>
+                <a:sym typeface="Roboto Mono"/>
+              </a:rPr>
+              <a:t>'g'</a:t>
+            </a:r>
+            <a:r>
+              <a:rPr lang="en" sz="1800">
+                <a:solidFill>
+                  <a:srgbClr val="37474F"/>
+                </a:solidFill>
+                <a:latin typeface="Roboto Mono"/>
+                <a:ea typeface="Roboto Mono"/>
+                <a:cs typeface="Roboto Mono"/>
+                <a:sym typeface="Roboto Mono"/>
+              </a:rPr>
+              <a:t>) print (i)</a:t>
+            </a:r>
+            <a:endParaRPr sz="1800">
+              <a:solidFill>
+                <a:schemeClr val="dk1"/>
+              </a:solidFill>
+              <a:latin typeface="Consolas"/>
+              <a:ea typeface="Consolas"/>
+              <a:cs typeface="Consolas"/>
+              <a:sym typeface="Consolas"/>
+            </a:endParaRPr>
+          </a:p>
+          <a:p>
+            <a:pPr marL="0" lvl="0" indent="0" algn="l" rtl="0">
+              <a:lnSpc>
+                <a:spcPct val="115000"/>
+              </a:lnSpc>
+              <a:spcBef>
+                <a:spcPts val="0"/>
+              </a:spcBef>
+              <a:spcAft>
+                <a:spcPts val="600"/>
+              </a:spcAft>
+              <a:buClr>
+                <a:schemeClr val="dk1"/>
+              </a:buClr>
+              <a:buSzPts val="1100"/>
+              <a:buFont typeface="Arial"/>
+              <a:buNone/>
+            </a:pPr>
+            <a:r>
+              <a:rPr lang="en" sz="1800">
+                <a:solidFill>
+                  <a:srgbClr val="1155CC"/>
+                </a:solidFill>
+                <a:latin typeface="Consolas"/>
+                <a:ea typeface="Consolas"/>
+                <a:cs typeface="Consolas"/>
+                <a:sym typeface="Consolas"/>
+              </a:rPr>
+              <a:t>⇒ defg</a:t>
             </a:r>
             <a:endParaRPr sz="1800">
               <a:latin typeface="Consolas"/>
@@ -28613,1139 +29624,6 @@
   <p:cSld>
     <p:spTree>
       <p:nvGrpSpPr>
-        <p:cNvPr id="1" name="Shape 393"/>
-        <p:cNvGrpSpPr/>
-        <p:nvPr/>
-      </p:nvGrpSpPr>
-      <p:grpSpPr>
-        <a:xfrm>
-          <a:off x="0" y="0"/>
-          <a:ext cx="0" cy="0"/>
-          <a:chOff x="0" y="0"/>
-          <a:chExt cx="0" cy="0"/>
-        </a:xfrm>
-      </p:grpSpPr>
-      <p:sp>
-        <p:nvSpPr>
-          <p:cNvPr id="394" name="Google Shape;394;p47"/>
-          <p:cNvSpPr txBox="1">
-            <a:spLocks noGrp="1"/>
-          </p:cNvSpPr>
-          <p:nvPr>
-            <p:ph type="title"/>
-          </p:nvPr>
-        </p:nvSpPr>
-        <p:spPr>
-          <a:xfrm>
-            <a:off x="311700" y="247025"/>
-            <a:ext cx="8657700" cy="572700"/>
-          </a:xfrm>
-          <a:prstGeom prst="rect">
-            <a:avLst/>
-          </a:prstGeom>
-        </p:spPr>
-        <p:txBody>
-          <a:bodyPr spcFirstLastPara="1" wrap="square" lIns="91425" tIns="91425" rIns="91425" bIns="91425" anchor="b" anchorCtr="0">
-            <a:noAutofit/>
-          </a:bodyPr>
-          <a:lstStyle/>
-          <a:p>
-            <a:pPr marL="0" lvl="0" indent="0" algn="l" rtl="0">
-              <a:spcBef>
-                <a:spcPts val="0"/>
-              </a:spcBef>
-              <a:spcAft>
-                <a:spcPts val="0"/>
-              </a:spcAft>
-              <a:buClr>
-                <a:schemeClr val="dk1"/>
-              </a:buClr>
-              <a:buSzPts val="1100"/>
-              <a:buFont typeface="Arial"/>
-              <a:buNone/>
-            </a:pPr>
-            <a:r>
-              <a:rPr lang="en" dirty="0"/>
-              <a:t>Boucle for : pas, taille et range</a:t>
-            </a:r>
-            <a:endParaRPr dirty="0">
-              <a:solidFill>
-                <a:srgbClr val="FFFFFF"/>
-              </a:solidFill>
-            </a:endParaRPr>
-          </a:p>
-        </p:txBody>
-      </p:sp>
-      <p:sp>
-        <p:nvSpPr>
-          <p:cNvPr id="395" name="Google Shape;395;p47"/>
-          <p:cNvSpPr txBox="1">
-            <a:spLocks noGrp="1"/>
-          </p:cNvSpPr>
-          <p:nvPr>
-            <p:ph type="body" idx="1"/>
-          </p:nvPr>
-        </p:nvSpPr>
-        <p:spPr>
-          <a:xfrm>
-            <a:off x="311700" y="1124965"/>
-            <a:ext cx="8398800" cy="692400"/>
-          </a:xfrm>
-          <a:prstGeom prst="rect">
-            <a:avLst/>
-          </a:prstGeom>
-        </p:spPr>
-        <p:txBody>
-          <a:bodyPr spcFirstLastPara="1" wrap="square" lIns="91425" tIns="91425" rIns="91425" bIns="91425" anchor="t" anchorCtr="0">
-            <a:noAutofit/>
-          </a:bodyPr>
-          <a:lstStyle/>
-          <a:p>
-            <a:pPr marL="0" lvl="0" indent="0" algn="l" rtl="0">
-              <a:lnSpc>
-                <a:spcPct val="150000"/>
-              </a:lnSpc>
-              <a:spcBef>
-                <a:spcPts val="0"/>
-              </a:spcBef>
-              <a:spcAft>
-                <a:spcPts val="0"/>
-              </a:spcAft>
-              <a:buNone/>
-            </a:pPr>
-            <a:r>
-              <a:rPr lang="en" sz="1800">
-                <a:solidFill>
-                  <a:srgbClr val="3F51B5"/>
-                </a:solidFill>
-                <a:latin typeface="Consolas"/>
-                <a:ea typeface="Consolas"/>
-                <a:cs typeface="Consolas"/>
-                <a:sym typeface="Consolas"/>
-              </a:rPr>
-              <a:t>for</a:t>
-            </a:r>
-            <a:r>
-              <a:rPr lang="en" sz="1800">
-                <a:solidFill>
-                  <a:srgbClr val="37474F"/>
-                </a:solidFill>
-                <a:latin typeface="Consolas"/>
-                <a:ea typeface="Consolas"/>
-                <a:cs typeface="Consolas"/>
-                <a:sym typeface="Consolas"/>
-              </a:rPr>
-              <a:t> (i</a:t>
-            </a:r>
-            <a:r>
-              <a:rPr lang="en" sz="1800" b="1">
-                <a:solidFill>
-                  <a:srgbClr val="37474F"/>
-                </a:solidFill>
-                <a:latin typeface="Consolas"/>
-                <a:ea typeface="Consolas"/>
-                <a:cs typeface="Consolas"/>
-                <a:sym typeface="Consolas"/>
-              </a:rPr>
-              <a:t> </a:t>
-            </a:r>
-            <a:r>
-              <a:rPr lang="en" sz="1800" b="1">
-                <a:solidFill>
-                  <a:srgbClr val="3F51B5"/>
-                </a:solidFill>
-                <a:latin typeface="Consolas"/>
-                <a:ea typeface="Consolas"/>
-                <a:cs typeface="Consolas"/>
-                <a:sym typeface="Consolas"/>
-              </a:rPr>
-              <a:t>in</a:t>
-            </a:r>
-            <a:r>
-              <a:rPr lang="en" sz="1800" b="1">
-                <a:solidFill>
-                  <a:srgbClr val="37474F"/>
-                </a:solidFill>
-                <a:latin typeface="Consolas"/>
-                <a:ea typeface="Consolas"/>
-                <a:cs typeface="Consolas"/>
-                <a:sym typeface="Consolas"/>
-              </a:rPr>
-              <a:t> </a:t>
-            </a:r>
-            <a:r>
-              <a:rPr lang="en" sz="1800" b="1">
-                <a:solidFill>
-                  <a:srgbClr val="C53929"/>
-                </a:solidFill>
-                <a:latin typeface="Consolas"/>
-                <a:ea typeface="Consolas"/>
-                <a:cs typeface="Consolas"/>
-                <a:sym typeface="Consolas"/>
-              </a:rPr>
-              <a:t>1</a:t>
-            </a:r>
-            <a:r>
-              <a:rPr lang="en" sz="1800" b="1">
-                <a:solidFill>
-                  <a:srgbClr val="37474F"/>
-                </a:solidFill>
-                <a:latin typeface="Consolas"/>
-                <a:ea typeface="Consolas"/>
-                <a:cs typeface="Consolas"/>
-                <a:sym typeface="Consolas"/>
-              </a:rPr>
-              <a:t>..</a:t>
-            </a:r>
-            <a:r>
-              <a:rPr lang="en" sz="1800" b="1">
-                <a:solidFill>
-                  <a:srgbClr val="C53929"/>
-                </a:solidFill>
-                <a:latin typeface="Consolas"/>
-                <a:ea typeface="Consolas"/>
-                <a:cs typeface="Consolas"/>
-                <a:sym typeface="Consolas"/>
-              </a:rPr>
-              <a:t>5</a:t>
-            </a:r>
-            <a:r>
-              <a:rPr lang="en" sz="1800">
-                <a:solidFill>
-                  <a:srgbClr val="37474F"/>
-                </a:solidFill>
-                <a:latin typeface="Consolas"/>
-                <a:ea typeface="Consolas"/>
-                <a:cs typeface="Consolas"/>
-                <a:sym typeface="Consolas"/>
-              </a:rPr>
-              <a:t>) print(i)</a:t>
-            </a:r>
-            <a:endParaRPr sz="1800">
-              <a:latin typeface="Consolas"/>
-              <a:ea typeface="Consolas"/>
-              <a:cs typeface="Consolas"/>
-              <a:sym typeface="Consolas"/>
-            </a:endParaRPr>
-          </a:p>
-          <a:p>
-            <a:pPr marL="0" lvl="0" indent="0" algn="l" rtl="0">
-              <a:lnSpc>
-                <a:spcPct val="115000"/>
-              </a:lnSpc>
-              <a:spcBef>
-                <a:spcPts val="0"/>
-              </a:spcBef>
-              <a:spcAft>
-                <a:spcPts val="0"/>
-              </a:spcAft>
-              <a:buNone/>
-            </a:pPr>
-            <a:r>
-              <a:rPr lang="en" sz="1800">
-                <a:solidFill>
-                  <a:srgbClr val="1155CC"/>
-                </a:solidFill>
-                <a:latin typeface="Consolas"/>
-                <a:ea typeface="Consolas"/>
-                <a:cs typeface="Consolas"/>
-                <a:sym typeface="Consolas"/>
-              </a:rPr>
-              <a:t>⇒ 12345</a:t>
-            </a:r>
-            <a:endParaRPr sz="1800">
-              <a:solidFill>
-                <a:srgbClr val="1155CC"/>
-              </a:solidFill>
-              <a:latin typeface="Consolas"/>
-              <a:ea typeface="Consolas"/>
-              <a:cs typeface="Consolas"/>
-              <a:sym typeface="Consolas"/>
-            </a:endParaRPr>
-          </a:p>
-          <a:p>
-            <a:pPr marL="0" lvl="0" indent="0" algn="l" rtl="0">
-              <a:lnSpc>
-                <a:spcPct val="115000"/>
-              </a:lnSpc>
-              <a:spcBef>
-                <a:spcPts val="600"/>
-              </a:spcBef>
-              <a:spcAft>
-                <a:spcPts val="0"/>
-              </a:spcAft>
-              <a:buNone/>
-            </a:pPr>
-            <a:endParaRPr sz="1800">
-              <a:solidFill>
-                <a:srgbClr val="1155CC"/>
-              </a:solidFill>
-              <a:latin typeface="Consolas"/>
-              <a:ea typeface="Consolas"/>
-              <a:cs typeface="Consolas"/>
-              <a:sym typeface="Consolas"/>
-            </a:endParaRPr>
-          </a:p>
-          <a:p>
-            <a:pPr marL="0" lvl="0" indent="0" algn="l" rtl="0">
-              <a:lnSpc>
-                <a:spcPct val="115000"/>
-              </a:lnSpc>
-              <a:spcBef>
-                <a:spcPts val="600"/>
-              </a:spcBef>
-              <a:spcAft>
-                <a:spcPts val="0"/>
-              </a:spcAft>
-              <a:buNone/>
-            </a:pPr>
-            <a:endParaRPr sz="1800" b="1">
-              <a:latin typeface="Consolas"/>
-              <a:ea typeface="Consolas"/>
-              <a:cs typeface="Consolas"/>
-              <a:sym typeface="Consolas"/>
-            </a:endParaRPr>
-          </a:p>
-          <a:p>
-            <a:pPr marL="0" lvl="0" indent="0" algn="l" rtl="0">
-              <a:lnSpc>
-                <a:spcPct val="115000"/>
-              </a:lnSpc>
-              <a:spcBef>
-                <a:spcPts val="600"/>
-              </a:spcBef>
-              <a:spcAft>
-                <a:spcPts val="0"/>
-              </a:spcAft>
-              <a:buNone/>
-            </a:pPr>
-            <a:endParaRPr sz="1800" b="1">
-              <a:latin typeface="Consolas"/>
-              <a:ea typeface="Consolas"/>
-              <a:cs typeface="Consolas"/>
-              <a:sym typeface="Consolas"/>
-            </a:endParaRPr>
-          </a:p>
-          <a:p>
-            <a:pPr marL="0" lvl="0" indent="0" algn="l" rtl="0">
-              <a:lnSpc>
-                <a:spcPct val="115000"/>
-              </a:lnSpc>
-              <a:spcBef>
-                <a:spcPts val="600"/>
-              </a:spcBef>
-              <a:spcAft>
-                <a:spcPts val="0"/>
-              </a:spcAft>
-              <a:buNone/>
-            </a:pPr>
-            <a:endParaRPr sz="1800" b="1">
-              <a:latin typeface="Consolas"/>
-              <a:ea typeface="Consolas"/>
-              <a:cs typeface="Consolas"/>
-              <a:sym typeface="Consolas"/>
-            </a:endParaRPr>
-          </a:p>
-          <a:p>
-            <a:pPr marL="0" lvl="0" indent="0" algn="l" rtl="0">
-              <a:lnSpc>
-                <a:spcPct val="115000"/>
-              </a:lnSpc>
-              <a:spcBef>
-                <a:spcPts val="600"/>
-              </a:spcBef>
-              <a:spcAft>
-                <a:spcPts val="0"/>
-              </a:spcAft>
-              <a:buNone/>
-            </a:pPr>
-            <a:endParaRPr sz="1800" b="1">
-              <a:latin typeface="Consolas"/>
-              <a:ea typeface="Consolas"/>
-              <a:cs typeface="Consolas"/>
-              <a:sym typeface="Consolas"/>
-            </a:endParaRPr>
-          </a:p>
-          <a:p>
-            <a:pPr marL="0" lvl="0" indent="0" algn="l" rtl="0">
-              <a:lnSpc>
-                <a:spcPct val="115000"/>
-              </a:lnSpc>
-              <a:spcBef>
-                <a:spcPts val="600"/>
-              </a:spcBef>
-              <a:spcAft>
-                <a:spcPts val="0"/>
-              </a:spcAft>
-              <a:buNone/>
-            </a:pPr>
-            <a:endParaRPr sz="1800">
-              <a:solidFill>
-                <a:srgbClr val="1155CC"/>
-              </a:solidFill>
-              <a:latin typeface="Consolas"/>
-              <a:ea typeface="Consolas"/>
-              <a:cs typeface="Consolas"/>
-              <a:sym typeface="Consolas"/>
-            </a:endParaRPr>
-          </a:p>
-          <a:p>
-            <a:pPr marL="457200" lvl="0" indent="0" algn="l" rtl="0">
-              <a:lnSpc>
-                <a:spcPct val="115000"/>
-              </a:lnSpc>
-              <a:spcBef>
-                <a:spcPts val="600"/>
-              </a:spcBef>
-              <a:spcAft>
-                <a:spcPts val="0"/>
-              </a:spcAft>
-              <a:buNone/>
-            </a:pPr>
-            <a:endParaRPr sz="1800">
-              <a:solidFill>
-                <a:schemeClr val="dk1"/>
-              </a:solidFill>
-              <a:latin typeface="Consolas"/>
-              <a:ea typeface="Consolas"/>
-              <a:cs typeface="Consolas"/>
-              <a:sym typeface="Consolas"/>
-            </a:endParaRPr>
-          </a:p>
-          <a:p>
-            <a:pPr marL="0" lvl="0" indent="0" algn="l" rtl="0">
-              <a:lnSpc>
-                <a:spcPct val="115000"/>
-              </a:lnSpc>
-              <a:spcBef>
-                <a:spcPts val="600"/>
-              </a:spcBef>
-              <a:spcAft>
-                <a:spcPts val="0"/>
-              </a:spcAft>
-              <a:buNone/>
-            </a:pPr>
-            <a:endParaRPr sz="1800">
-              <a:solidFill>
-                <a:schemeClr val="dk1"/>
-              </a:solidFill>
-              <a:latin typeface="Consolas"/>
-              <a:ea typeface="Consolas"/>
-              <a:cs typeface="Consolas"/>
-              <a:sym typeface="Consolas"/>
-            </a:endParaRPr>
-          </a:p>
-          <a:p>
-            <a:pPr marL="457200" lvl="0" indent="0" algn="l" rtl="0">
-              <a:lnSpc>
-                <a:spcPct val="115000"/>
-              </a:lnSpc>
-              <a:spcBef>
-                <a:spcPts val="600"/>
-              </a:spcBef>
-              <a:spcAft>
-                <a:spcPts val="0"/>
-              </a:spcAft>
-              <a:buNone/>
-            </a:pPr>
-            <a:endParaRPr sz="1800">
-              <a:solidFill>
-                <a:schemeClr val="dk1"/>
-              </a:solidFill>
-              <a:latin typeface="Consolas"/>
-              <a:ea typeface="Consolas"/>
-              <a:cs typeface="Consolas"/>
-              <a:sym typeface="Consolas"/>
-            </a:endParaRPr>
-          </a:p>
-          <a:p>
-            <a:pPr marL="457200" lvl="0" indent="0" algn="l" rtl="0">
-              <a:lnSpc>
-                <a:spcPct val="115000"/>
-              </a:lnSpc>
-              <a:spcBef>
-                <a:spcPts val="600"/>
-              </a:spcBef>
-              <a:spcAft>
-                <a:spcPts val="600"/>
-              </a:spcAft>
-              <a:buNone/>
-            </a:pPr>
-            <a:endParaRPr sz="1800">
-              <a:solidFill>
-                <a:schemeClr val="dk1"/>
-              </a:solidFill>
-              <a:highlight>
-                <a:srgbClr val="FFFFFF"/>
-              </a:highlight>
-              <a:latin typeface="Consolas"/>
-              <a:ea typeface="Consolas"/>
-              <a:cs typeface="Consolas"/>
-              <a:sym typeface="Consolas"/>
-            </a:endParaRPr>
-          </a:p>
-        </p:txBody>
-      </p:sp>
-      <p:sp>
-        <p:nvSpPr>
-          <p:cNvPr id="396" name="Google Shape;396;p47"/>
-          <p:cNvSpPr txBox="1">
-            <a:spLocks noGrp="1"/>
-          </p:cNvSpPr>
-          <p:nvPr>
-            <p:ph type="sldNum" idx="12"/>
-          </p:nvPr>
-        </p:nvSpPr>
-        <p:spPr>
-          <a:xfrm>
-            <a:off x="8548658" y="4739417"/>
-            <a:ext cx="548700" cy="393600"/>
-          </a:xfrm>
-          <a:prstGeom prst="rect">
-            <a:avLst/>
-          </a:prstGeom>
-        </p:spPr>
-        <p:txBody>
-          <a:bodyPr spcFirstLastPara="1" wrap="square" lIns="91425" tIns="91425" rIns="91425" bIns="91425" anchor="ctr" anchorCtr="0">
-            <a:noAutofit/>
-          </a:bodyPr>
-          <a:lstStyle/>
-          <a:p>
-            <a:pPr marL="0" lvl="0" indent="0" algn="r" rtl="0">
-              <a:spcBef>
-                <a:spcPts val="0"/>
-              </a:spcBef>
-              <a:spcAft>
-                <a:spcPts val="0"/>
-              </a:spcAft>
-              <a:buNone/>
-            </a:pPr>
-            <a:fld id="{00000000-1234-1234-1234-123412341234}" type="slidenum">
-              <a:rPr lang="en"/>
-              <a:t>30</a:t>
-            </a:fld>
-            <a:endParaRPr/>
-          </a:p>
-        </p:txBody>
-      </p:sp>
-      <p:sp>
-        <p:nvSpPr>
-          <p:cNvPr id="397" name="Google Shape;397;p47"/>
-          <p:cNvSpPr txBox="1"/>
-          <p:nvPr/>
-        </p:nvSpPr>
-        <p:spPr>
-          <a:xfrm>
-            <a:off x="311700" y="1936225"/>
-            <a:ext cx="6459000" cy="692400"/>
-          </a:xfrm>
-          <a:prstGeom prst="rect">
-            <a:avLst/>
-          </a:prstGeom>
-          <a:noFill/>
-          <a:ln>
-            <a:noFill/>
-          </a:ln>
-        </p:spPr>
-        <p:txBody>
-          <a:bodyPr spcFirstLastPara="1" wrap="square" lIns="91425" tIns="91425" rIns="91425" bIns="91425" anchor="t" anchorCtr="0">
-            <a:noAutofit/>
-          </a:bodyPr>
-          <a:lstStyle/>
-          <a:p>
-            <a:pPr marL="0" lvl="0" indent="0" algn="l" rtl="0">
-              <a:lnSpc>
-                <a:spcPct val="150000"/>
-              </a:lnSpc>
-              <a:spcBef>
-                <a:spcPts val="0"/>
-              </a:spcBef>
-              <a:spcAft>
-                <a:spcPts val="0"/>
-              </a:spcAft>
-              <a:buClr>
-                <a:schemeClr val="dk1"/>
-              </a:buClr>
-              <a:buSzPts val="1100"/>
-              <a:buFont typeface="Arial"/>
-              <a:buNone/>
-            </a:pPr>
-            <a:r>
-              <a:rPr lang="en" sz="1800">
-                <a:solidFill>
-                  <a:srgbClr val="3F51B5"/>
-                </a:solidFill>
-                <a:latin typeface="Consolas"/>
-                <a:ea typeface="Consolas"/>
-                <a:cs typeface="Consolas"/>
-                <a:sym typeface="Consolas"/>
-              </a:rPr>
-              <a:t>for</a:t>
-            </a:r>
-            <a:r>
-              <a:rPr lang="en" sz="1800">
-                <a:solidFill>
-                  <a:srgbClr val="37474F"/>
-                </a:solidFill>
-                <a:latin typeface="Consolas"/>
-                <a:ea typeface="Consolas"/>
-                <a:cs typeface="Consolas"/>
-                <a:sym typeface="Consolas"/>
-              </a:rPr>
-              <a:t> (i </a:t>
-            </a:r>
-            <a:r>
-              <a:rPr lang="en" sz="1800" b="1">
-                <a:solidFill>
-                  <a:srgbClr val="3F51B5"/>
-                </a:solidFill>
-                <a:latin typeface="Consolas"/>
-                <a:ea typeface="Consolas"/>
-                <a:cs typeface="Consolas"/>
-                <a:sym typeface="Consolas"/>
-              </a:rPr>
-              <a:t>in</a:t>
-            </a:r>
-            <a:r>
-              <a:rPr lang="en" sz="1800" b="1">
-                <a:solidFill>
-                  <a:srgbClr val="37474F"/>
-                </a:solidFill>
-                <a:latin typeface="Consolas"/>
-                <a:ea typeface="Consolas"/>
-                <a:cs typeface="Consolas"/>
-                <a:sym typeface="Consolas"/>
-              </a:rPr>
-              <a:t> </a:t>
-            </a:r>
-            <a:r>
-              <a:rPr lang="en" sz="1800" b="1">
-                <a:solidFill>
-                  <a:srgbClr val="C53929"/>
-                </a:solidFill>
-                <a:latin typeface="Consolas"/>
-                <a:ea typeface="Consolas"/>
-                <a:cs typeface="Consolas"/>
-                <a:sym typeface="Consolas"/>
-              </a:rPr>
-              <a:t>5</a:t>
-            </a:r>
-            <a:r>
-              <a:rPr lang="en" sz="1800" b="1">
-                <a:solidFill>
-                  <a:srgbClr val="37474F"/>
-                </a:solidFill>
-                <a:latin typeface="Consolas"/>
-                <a:ea typeface="Consolas"/>
-                <a:cs typeface="Consolas"/>
-                <a:sym typeface="Consolas"/>
-              </a:rPr>
-              <a:t> downTo </a:t>
-            </a:r>
-            <a:r>
-              <a:rPr lang="en" sz="1800" b="1">
-                <a:solidFill>
-                  <a:srgbClr val="C53929"/>
-                </a:solidFill>
-                <a:latin typeface="Consolas"/>
-                <a:ea typeface="Consolas"/>
-                <a:cs typeface="Consolas"/>
-                <a:sym typeface="Consolas"/>
-              </a:rPr>
-              <a:t>1</a:t>
-            </a:r>
-            <a:r>
-              <a:rPr lang="en" sz="1800">
-                <a:solidFill>
-                  <a:srgbClr val="37474F"/>
-                </a:solidFill>
-                <a:latin typeface="Consolas"/>
-                <a:ea typeface="Consolas"/>
-                <a:cs typeface="Consolas"/>
-                <a:sym typeface="Consolas"/>
-              </a:rPr>
-              <a:t>) print(i)</a:t>
-            </a:r>
-            <a:endParaRPr sz="1800">
-              <a:solidFill>
-                <a:schemeClr val="dk1"/>
-              </a:solidFill>
-              <a:latin typeface="Consolas"/>
-              <a:ea typeface="Consolas"/>
-              <a:cs typeface="Consolas"/>
-              <a:sym typeface="Consolas"/>
-            </a:endParaRPr>
-          </a:p>
-          <a:p>
-            <a:pPr marL="0" lvl="0" indent="0" algn="l" rtl="0">
-              <a:lnSpc>
-                <a:spcPct val="115000"/>
-              </a:lnSpc>
-              <a:spcBef>
-                <a:spcPts val="0"/>
-              </a:spcBef>
-              <a:spcAft>
-                <a:spcPts val="600"/>
-              </a:spcAft>
-              <a:buClr>
-                <a:schemeClr val="dk1"/>
-              </a:buClr>
-              <a:buSzPts val="1100"/>
-              <a:buFont typeface="Arial"/>
-              <a:buNone/>
-            </a:pPr>
-            <a:r>
-              <a:rPr lang="en" sz="1800">
-                <a:solidFill>
-                  <a:srgbClr val="1155CC"/>
-                </a:solidFill>
-                <a:latin typeface="Consolas"/>
-                <a:ea typeface="Consolas"/>
-                <a:cs typeface="Consolas"/>
-                <a:sym typeface="Consolas"/>
-              </a:rPr>
-              <a:t>⇒ 54321</a:t>
-            </a:r>
-            <a:endParaRPr sz="1800">
-              <a:latin typeface="Consolas"/>
-              <a:ea typeface="Consolas"/>
-              <a:cs typeface="Consolas"/>
-              <a:sym typeface="Consolas"/>
-            </a:endParaRPr>
-          </a:p>
-        </p:txBody>
-      </p:sp>
-      <p:sp>
-        <p:nvSpPr>
-          <p:cNvPr id="398" name="Google Shape;398;p47"/>
-          <p:cNvSpPr txBox="1"/>
-          <p:nvPr/>
-        </p:nvSpPr>
-        <p:spPr>
-          <a:xfrm>
-            <a:off x="311700" y="2767727"/>
-            <a:ext cx="4796400" cy="692400"/>
-          </a:xfrm>
-          <a:prstGeom prst="rect">
-            <a:avLst/>
-          </a:prstGeom>
-          <a:noFill/>
-          <a:ln>
-            <a:noFill/>
-          </a:ln>
-        </p:spPr>
-        <p:txBody>
-          <a:bodyPr spcFirstLastPara="1" wrap="square" lIns="91425" tIns="91425" rIns="91425" bIns="91425" anchor="t" anchorCtr="0">
-            <a:noAutofit/>
-          </a:bodyPr>
-          <a:lstStyle/>
-          <a:p>
-            <a:pPr marL="0" lvl="0" indent="0" algn="l" rtl="0">
-              <a:lnSpc>
-                <a:spcPct val="150000"/>
-              </a:lnSpc>
-              <a:spcBef>
-                <a:spcPts val="0"/>
-              </a:spcBef>
-              <a:spcAft>
-                <a:spcPts val="0"/>
-              </a:spcAft>
-              <a:buClr>
-                <a:schemeClr val="dk1"/>
-              </a:buClr>
-              <a:buSzPts val="1100"/>
-              <a:buFont typeface="Arial"/>
-              <a:buNone/>
-            </a:pPr>
-            <a:r>
-              <a:rPr lang="en" sz="1800">
-                <a:solidFill>
-                  <a:srgbClr val="3F51B5"/>
-                </a:solidFill>
-                <a:latin typeface="Roboto Mono"/>
-                <a:ea typeface="Roboto Mono"/>
-                <a:cs typeface="Roboto Mono"/>
-                <a:sym typeface="Roboto Mono"/>
-              </a:rPr>
-              <a:t>for</a:t>
-            </a:r>
-            <a:r>
-              <a:rPr lang="en" sz="1800">
-                <a:solidFill>
-                  <a:srgbClr val="37474F"/>
-                </a:solidFill>
-                <a:latin typeface="Roboto Mono"/>
-                <a:ea typeface="Roboto Mono"/>
-                <a:cs typeface="Roboto Mono"/>
-                <a:sym typeface="Roboto Mono"/>
-              </a:rPr>
-              <a:t> (i </a:t>
-            </a:r>
-            <a:r>
-              <a:rPr lang="en" sz="1800" b="1">
-                <a:solidFill>
-                  <a:srgbClr val="3F51B5"/>
-                </a:solidFill>
-                <a:latin typeface="Roboto Mono"/>
-                <a:ea typeface="Roboto Mono"/>
-                <a:cs typeface="Roboto Mono"/>
-                <a:sym typeface="Roboto Mono"/>
-              </a:rPr>
-              <a:t>in</a:t>
-            </a:r>
-            <a:r>
-              <a:rPr lang="en" sz="1800" b="1">
-                <a:solidFill>
-                  <a:srgbClr val="37474F"/>
-                </a:solidFill>
-                <a:latin typeface="Roboto Mono"/>
-                <a:ea typeface="Roboto Mono"/>
-                <a:cs typeface="Roboto Mono"/>
-                <a:sym typeface="Roboto Mono"/>
-              </a:rPr>
-              <a:t> </a:t>
-            </a:r>
-            <a:r>
-              <a:rPr lang="en" sz="1800" b="1">
-                <a:solidFill>
-                  <a:srgbClr val="C53929"/>
-                </a:solidFill>
-                <a:latin typeface="Roboto Mono"/>
-                <a:ea typeface="Roboto Mono"/>
-                <a:cs typeface="Roboto Mono"/>
-                <a:sym typeface="Roboto Mono"/>
-              </a:rPr>
-              <a:t>3</a:t>
-            </a:r>
-            <a:r>
-              <a:rPr lang="en" sz="1800" b="1">
-                <a:solidFill>
-                  <a:srgbClr val="37474F"/>
-                </a:solidFill>
-                <a:latin typeface="Roboto Mono"/>
-                <a:ea typeface="Roboto Mono"/>
-                <a:cs typeface="Roboto Mono"/>
-                <a:sym typeface="Roboto Mono"/>
-              </a:rPr>
-              <a:t>..</a:t>
-            </a:r>
-            <a:r>
-              <a:rPr lang="en" sz="1800" b="1">
-                <a:solidFill>
-                  <a:srgbClr val="C53929"/>
-                </a:solidFill>
-                <a:latin typeface="Roboto Mono"/>
-                <a:ea typeface="Roboto Mono"/>
-                <a:cs typeface="Roboto Mono"/>
-                <a:sym typeface="Roboto Mono"/>
-              </a:rPr>
-              <a:t>6</a:t>
-            </a:r>
-            <a:r>
-              <a:rPr lang="en" sz="1800" b="1">
-                <a:solidFill>
-                  <a:srgbClr val="37474F"/>
-                </a:solidFill>
-                <a:latin typeface="Roboto Mono"/>
-                <a:ea typeface="Roboto Mono"/>
-                <a:cs typeface="Roboto Mono"/>
-                <a:sym typeface="Roboto Mono"/>
-              </a:rPr>
-              <a:t> step </a:t>
-            </a:r>
-            <a:r>
-              <a:rPr lang="en" sz="1800" b="1">
-                <a:solidFill>
-                  <a:srgbClr val="C53929"/>
-                </a:solidFill>
-                <a:latin typeface="Roboto Mono"/>
-                <a:ea typeface="Roboto Mono"/>
-                <a:cs typeface="Roboto Mono"/>
-                <a:sym typeface="Roboto Mono"/>
-              </a:rPr>
-              <a:t>2</a:t>
-            </a:r>
-            <a:r>
-              <a:rPr lang="en" sz="1800">
-                <a:solidFill>
-                  <a:srgbClr val="37474F"/>
-                </a:solidFill>
-                <a:latin typeface="Roboto Mono"/>
-                <a:ea typeface="Roboto Mono"/>
-                <a:cs typeface="Roboto Mono"/>
-                <a:sym typeface="Roboto Mono"/>
-              </a:rPr>
-              <a:t>) print(i)</a:t>
-            </a:r>
-            <a:endParaRPr sz="1800">
-              <a:solidFill>
-                <a:schemeClr val="dk1"/>
-              </a:solidFill>
-              <a:latin typeface="Consolas"/>
-              <a:ea typeface="Consolas"/>
-              <a:cs typeface="Consolas"/>
-              <a:sym typeface="Consolas"/>
-            </a:endParaRPr>
-          </a:p>
-          <a:p>
-            <a:pPr marL="0" lvl="0" indent="0" algn="l" rtl="0">
-              <a:lnSpc>
-                <a:spcPct val="115000"/>
-              </a:lnSpc>
-              <a:spcBef>
-                <a:spcPts val="0"/>
-              </a:spcBef>
-              <a:spcAft>
-                <a:spcPts val="0"/>
-              </a:spcAft>
-              <a:buClr>
-                <a:schemeClr val="dk1"/>
-              </a:buClr>
-              <a:buSzPts val="1100"/>
-              <a:buFont typeface="Arial"/>
-              <a:buNone/>
-            </a:pPr>
-            <a:r>
-              <a:rPr lang="en" sz="1800">
-                <a:solidFill>
-                  <a:srgbClr val="1155CC"/>
-                </a:solidFill>
-                <a:latin typeface="Consolas"/>
-                <a:ea typeface="Consolas"/>
-                <a:cs typeface="Consolas"/>
-                <a:sym typeface="Consolas"/>
-              </a:rPr>
-              <a:t>⇒ 35</a:t>
-            </a:r>
-            <a:endParaRPr sz="1800">
-              <a:solidFill>
-                <a:srgbClr val="1155CC"/>
-              </a:solidFill>
-              <a:latin typeface="Consolas"/>
-              <a:ea typeface="Consolas"/>
-              <a:cs typeface="Consolas"/>
-              <a:sym typeface="Consolas"/>
-            </a:endParaRPr>
-          </a:p>
-          <a:p>
-            <a:pPr marL="0" lvl="0" indent="0" algn="l" rtl="0">
-              <a:spcBef>
-                <a:spcPts val="600"/>
-              </a:spcBef>
-              <a:spcAft>
-                <a:spcPts val="0"/>
-              </a:spcAft>
-              <a:buNone/>
-            </a:pPr>
-            <a:endParaRPr>
-              <a:latin typeface="Roboto"/>
-              <a:ea typeface="Roboto"/>
-              <a:cs typeface="Roboto"/>
-              <a:sym typeface="Roboto"/>
-            </a:endParaRPr>
-          </a:p>
-        </p:txBody>
-      </p:sp>
-      <p:sp>
-        <p:nvSpPr>
-          <p:cNvPr id="399" name="Google Shape;399;p47"/>
-          <p:cNvSpPr txBox="1"/>
-          <p:nvPr/>
-        </p:nvSpPr>
-        <p:spPr>
-          <a:xfrm>
-            <a:off x="311700" y="3680400"/>
-            <a:ext cx="4260300" cy="692400"/>
-          </a:xfrm>
-          <a:prstGeom prst="rect">
-            <a:avLst/>
-          </a:prstGeom>
-          <a:noFill/>
-          <a:ln>
-            <a:noFill/>
-          </a:ln>
-        </p:spPr>
-        <p:txBody>
-          <a:bodyPr spcFirstLastPara="1" wrap="square" lIns="91425" tIns="91425" rIns="91425" bIns="91425" anchor="t" anchorCtr="0">
-            <a:noAutofit/>
-          </a:bodyPr>
-          <a:lstStyle/>
-          <a:p>
-            <a:pPr marL="0" lvl="0" indent="0" algn="l" rtl="0">
-              <a:lnSpc>
-                <a:spcPct val="150000"/>
-              </a:lnSpc>
-              <a:spcBef>
-                <a:spcPts val="0"/>
-              </a:spcBef>
-              <a:spcAft>
-                <a:spcPts val="0"/>
-              </a:spcAft>
-              <a:buClr>
-                <a:schemeClr val="dk1"/>
-              </a:buClr>
-              <a:buSzPts val="1100"/>
-              <a:buFont typeface="Arial"/>
-              <a:buNone/>
-            </a:pPr>
-            <a:r>
-              <a:rPr lang="en" sz="1800">
-                <a:solidFill>
-                  <a:srgbClr val="3F51B5"/>
-                </a:solidFill>
-                <a:latin typeface="Roboto Mono"/>
-                <a:ea typeface="Roboto Mono"/>
-                <a:cs typeface="Roboto Mono"/>
-                <a:sym typeface="Roboto Mono"/>
-              </a:rPr>
-              <a:t>for</a:t>
-            </a:r>
-            <a:r>
-              <a:rPr lang="en" sz="1800">
-                <a:solidFill>
-                  <a:srgbClr val="37474F"/>
-                </a:solidFill>
-                <a:latin typeface="Roboto Mono"/>
-                <a:ea typeface="Roboto Mono"/>
-                <a:cs typeface="Roboto Mono"/>
-                <a:sym typeface="Roboto Mono"/>
-              </a:rPr>
-              <a:t> (i </a:t>
-            </a:r>
-            <a:r>
-              <a:rPr lang="en" sz="1800" b="1">
-                <a:solidFill>
-                  <a:srgbClr val="3F51B5"/>
-                </a:solidFill>
-                <a:latin typeface="Roboto Mono"/>
-                <a:ea typeface="Roboto Mono"/>
-                <a:cs typeface="Roboto Mono"/>
-                <a:sym typeface="Roboto Mono"/>
-              </a:rPr>
-              <a:t>in</a:t>
-            </a:r>
-            <a:r>
-              <a:rPr lang="en" sz="1800" b="1">
-                <a:solidFill>
-                  <a:srgbClr val="37474F"/>
-                </a:solidFill>
-                <a:latin typeface="Roboto Mono"/>
-                <a:ea typeface="Roboto Mono"/>
-                <a:cs typeface="Roboto Mono"/>
-                <a:sym typeface="Roboto Mono"/>
-              </a:rPr>
-              <a:t> </a:t>
-            </a:r>
-            <a:r>
-              <a:rPr lang="en" sz="1800" b="1">
-                <a:solidFill>
-                  <a:srgbClr val="388E3C"/>
-                </a:solidFill>
-                <a:latin typeface="Roboto Mono"/>
-                <a:ea typeface="Roboto Mono"/>
-                <a:cs typeface="Roboto Mono"/>
-                <a:sym typeface="Roboto Mono"/>
-              </a:rPr>
-              <a:t>'d'</a:t>
-            </a:r>
-            <a:r>
-              <a:rPr lang="en" sz="1800" b="1">
-                <a:solidFill>
-                  <a:srgbClr val="37474F"/>
-                </a:solidFill>
-                <a:latin typeface="Roboto Mono"/>
-                <a:ea typeface="Roboto Mono"/>
-                <a:cs typeface="Roboto Mono"/>
-                <a:sym typeface="Roboto Mono"/>
-              </a:rPr>
-              <a:t>..</a:t>
-            </a:r>
-            <a:r>
-              <a:rPr lang="en" sz="1800" b="1">
-                <a:solidFill>
-                  <a:srgbClr val="388E3C"/>
-                </a:solidFill>
-                <a:latin typeface="Roboto Mono"/>
-                <a:ea typeface="Roboto Mono"/>
-                <a:cs typeface="Roboto Mono"/>
-                <a:sym typeface="Roboto Mono"/>
-              </a:rPr>
-              <a:t>'g'</a:t>
-            </a:r>
-            <a:r>
-              <a:rPr lang="en" sz="1800">
-                <a:solidFill>
-                  <a:srgbClr val="37474F"/>
-                </a:solidFill>
-                <a:latin typeface="Roboto Mono"/>
-                <a:ea typeface="Roboto Mono"/>
-                <a:cs typeface="Roboto Mono"/>
-                <a:sym typeface="Roboto Mono"/>
-              </a:rPr>
-              <a:t>) print (i)</a:t>
-            </a:r>
-            <a:endParaRPr sz="1800">
-              <a:solidFill>
-                <a:schemeClr val="dk1"/>
-              </a:solidFill>
-              <a:latin typeface="Consolas"/>
-              <a:ea typeface="Consolas"/>
-              <a:cs typeface="Consolas"/>
-              <a:sym typeface="Consolas"/>
-            </a:endParaRPr>
-          </a:p>
-          <a:p>
-            <a:pPr marL="0" lvl="0" indent="0" algn="l" rtl="0">
-              <a:lnSpc>
-                <a:spcPct val="115000"/>
-              </a:lnSpc>
-              <a:spcBef>
-                <a:spcPts val="0"/>
-              </a:spcBef>
-              <a:spcAft>
-                <a:spcPts val="600"/>
-              </a:spcAft>
-              <a:buClr>
-                <a:schemeClr val="dk1"/>
-              </a:buClr>
-              <a:buSzPts val="1100"/>
-              <a:buFont typeface="Arial"/>
-              <a:buNone/>
-            </a:pPr>
-            <a:r>
-              <a:rPr lang="en" sz="1800">
-                <a:solidFill>
-                  <a:srgbClr val="1155CC"/>
-                </a:solidFill>
-                <a:latin typeface="Consolas"/>
-                <a:ea typeface="Consolas"/>
-                <a:cs typeface="Consolas"/>
-                <a:sym typeface="Consolas"/>
-              </a:rPr>
-              <a:t>⇒ defg</a:t>
-            </a:r>
-            <a:endParaRPr sz="1800">
-              <a:latin typeface="Consolas"/>
-              <a:ea typeface="Consolas"/>
-              <a:cs typeface="Consolas"/>
-              <a:sym typeface="Consolas"/>
-            </a:endParaRPr>
-          </a:p>
-        </p:txBody>
-      </p:sp>
-    </p:spTree>
-  </p:cSld>
-  <p:clrMapOvr>
-    <a:masterClrMapping/>
-  </p:clrMapOvr>
-</p:sld>
-</file>
-
-<file path=ppt/slides/slide31.xml><?xml version="1.0" encoding="utf-8"?>
-<p:sld xmlns:a="http://schemas.openxmlformats.org/drawingml/2006/main" xmlns:r="http://schemas.openxmlformats.org/officeDocument/2006/relationships" xmlns:p="http://schemas.openxmlformats.org/presentationml/2006/main">
-  <p:cSld>
-    <p:spTree>
-      <p:nvGrpSpPr>
         <p:cNvPr id="1" name="Shape 403"/>
         <p:cNvGrpSpPr/>
         <p:nvPr/>
@@ -30224,7 +30102,7 @@
             </a:pPr>
             <a:fld id="{00000000-1234-1234-1234-123412341234}" type="slidenum">
               <a:rPr lang="en"/>
-              <a:t>31</a:t>
+              <a:t>30</a:t>
             </a:fld>
             <a:endParaRPr/>
           </a:p>
@@ -30758,7 +30636,7 @@
 </p:sld>
 </file>
 
-<file path=ppt/slides/slide32.xml><?xml version="1.0" encoding="utf-8"?>
+<file path=ppt/slides/slide31.xml><?xml version="1.0" encoding="utf-8"?>
 <p:sld xmlns:a="http://schemas.openxmlformats.org/drawingml/2006/main" xmlns:r="http://schemas.openxmlformats.org/officeDocument/2006/relationships" xmlns:p="http://schemas.openxmlformats.org/presentationml/2006/main">
   <p:cSld>
     <p:spTree>
@@ -31145,7 +31023,7 @@
             </a:pPr>
             <a:fld id="{00000000-1234-1234-1234-123412341234}" type="slidenum">
               <a:rPr lang="en"/>
-              <a:t>32</a:t>
+              <a:t>31</a:t>
             </a:fld>
             <a:endParaRPr/>
           </a:p>
@@ -31239,7 +31117,7 @@
 </p:sld>
 </file>
 
-<file path=ppt/slides/slide33.xml><?xml version="1.0" encoding="utf-8"?>
+<file path=ppt/slides/slide32.xml><?xml version="1.0" encoding="utf-8"?>
 <p:sld xmlns:a="http://schemas.openxmlformats.org/drawingml/2006/main" xmlns:r="http://schemas.openxmlformats.org/officeDocument/2006/relationships" xmlns:p="http://schemas.openxmlformats.org/presentationml/2006/main">
   <p:cSld>
     <p:spTree>
@@ -31338,7 +31216,7 @@
             </a:pPr>
             <a:fld id="{00000000-1234-1234-1234-123412341234}" type="slidenum">
               <a:rPr lang="en"/>
-              <a:t>33</a:t>
+              <a:t>32</a:t>
             </a:fld>
             <a:endParaRPr/>
           </a:p>
@@ -31352,7 +31230,7 @@
 </p:sld>
 </file>
 
-<file path=ppt/slides/slide34.xml><?xml version="1.0" encoding="utf-8"?>
+<file path=ppt/slides/slide33.xml><?xml version="1.0" encoding="utf-8"?>
 <p:sld xmlns:a="http://schemas.openxmlformats.org/drawingml/2006/main" xmlns:r="http://schemas.openxmlformats.org/officeDocument/2006/relationships" xmlns:p="http://schemas.openxmlformats.org/presentationml/2006/main">
   <p:cSld>
     <p:spTree>
@@ -31533,7 +31411,7 @@
             </a:pPr>
             <a:fld id="{00000000-1234-1234-1234-123412341234}" type="slidenum">
               <a:rPr lang="en"/>
-              <a:t>34</a:t>
+              <a:t>33</a:t>
             </a:fld>
             <a:endParaRPr/>
           </a:p>
@@ -31841,7 +31719,7 @@
 </p:sld>
 </file>
 
-<file path=ppt/slides/slide35.xml><?xml version="1.0" encoding="utf-8"?>
+<file path=ppt/slides/slide34.xml><?xml version="1.0" encoding="utf-8"?>
 <p:sld xmlns:a="http://schemas.openxmlformats.org/drawingml/2006/main" xmlns:r="http://schemas.openxmlformats.org/officeDocument/2006/relationships" xmlns:p="http://schemas.openxmlformats.org/presentationml/2006/main">
   <p:cSld>
     <p:spTree>
@@ -32221,7 +32099,7 @@
             </a:pPr>
             <a:fld id="{00000000-1234-1234-1234-123412341234}" type="slidenum">
               <a:rPr lang="fr-FR" smtClean="0"/>
-              <a:t>35</a:t>
+              <a:t>34</a:t>
             </a:fld>
             <a:endParaRPr lang="fr-FR"/>
           </a:p>
@@ -32387,7 +32265,7 @@
 </p:sld>
 </file>
 
-<file path=ppt/slides/slide36.xml><?xml version="1.0" encoding="utf-8"?>
+<file path=ppt/slides/slide35.xml><?xml version="1.0" encoding="utf-8"?>
 <p:sld xmlns:a="http://schemas.openxmlformats.org/drawingml/2006/main" xmlns:r="http://schemas.openxmlformats.org/officeDocument/2006/relationships" xmlns:p="http://schemas.openxmlformats.org/presentationml/2006/main">
   <p:cSld>
     <p:spTree>
@@ -32854,7 +32732,7 @@
             </a:pPr>
             <a:fld id="{00000000-1234-1234-1234-123412341234}" type="slidenum">
               <a:rPr lang="en"/>
-              <a:t>36</a:t>
+              <a:t>35</a:t>
             </a:fld>
             <a:endParaRPr/>
           </a:p>
@@ -33337,7 +33215,7 @@
 </p:sld>
 </file>
 
-<file path=ppt/slides/slide37.xml><?xml version="1.0" encoding="utf-8"?>
+<file path=ppt/slides/slide36.xml><?xml version="1.0" encoding="utf-8"?>
 <p:sld xmlns:a="http://schemas.openxmlformats.org/drawingml/2006/main" xmlns:r="http://schemas.openxmlformats.org/officeDocument/2006/relationships" xmlns:p="http://schemas.openxmlformats.org/presentationml/2006/main">
   <p:cSld>
     <p:spTree>
@@ -33475,7 +33353,7 @@
             </a:pPr>
             <a:fld id="{00000000-1234-1234-1234-123412341234}" type="slidenum">
               <a:rPr lang="en"/>
-              <a:t>37</a:t>
+              <a:t>36</a:t>
             </a:fld>
             <a:endParaRPr/>
           </a:p>
@@ -33786,7 +33664,7 @@
 </p:sld>
 </file>
 
-<file path=ppt/slides/slide38.xml><?xml version="1.0" encoding="utf-8"?>
+<file path=ppt/slides/slide37.xml><?xml version="1.0" encoding="utf-8"?>
 <p:sld xmlns:a="http://schemas.openxmlformats.org/drawingml/2006/main" xmlns:r="http://schemas.openxmlformats.org/officeDocument/2006/relationships" xmlns:p="http://schemas.openxmlformats.org/presentationml/2006/main">
   <p:cSld>
     <p:spTree>
@@ -34233,7 +34111,7 @@
             </a:pPr>
             <a:fld id="{00000000-1234-1234-1234-123412341234}" type="slidenum">
               <a:rPr lang="en"/>
-              <a:t>38</a:t>
+              <a:t>37</a:t>
             </a:fld>
             <a:endParaRPr/>
           </a:p>
@@ -34677,7 +34555,7 @@
 </p:sld>
 </file>
 
-<file path=ppt/slides/slide39.xml><?xml version="1.0" encoding="utf-8"?>
+<file path=ppt/slides/slide38.xml><?xml version="1.0" encoding="utf-8"?>
 <p:sld xmlns:a="http://schemas.openxmlformats.org/drawingml/2006/main" xmlns:r="http://schemas.openxmlformats.org/officeDocument/2006/relationships" xmlns:p="http://schemas.openxmlformats.org/presentationml/2006/main">
   <p:cSld>
     <p:spTree>
@@ -35028,7 +34906,7 @@
             </a:pPr>
             <a:fld id="{00000000-1234-1234-1234-123412341234}" type="slidenum">
               <a:rPr lang="en"/>
-              <a:t>39</a:t>
+              <a:t>38</a:t>
             </a:fld>
             <a:endParaRPr/>
           </a:p>
@@ -35395,6 +35273,777 @@
               <a:solidFill>
                 <a:schemeClr val="dk1"/>
               </a:solidFill>
+              <a:latin typeface="Consolas"/>
+              <a:ea typeface="Consolas"/>
+              <a:cs typeface="Consolas"/>
+              <a:sym typeface="Consolas"/>
+            </a:endParaRPr>
+          </a:p>
+        </p:txBody>
+      </p:sp>
+    </p:spTree>
+  </p:cSld>
+  <p:clrMapOvr>
+    <a:masterClrMapping/>
+  </p:clrMapOvr>
+</p:sld>
+</file>
+
+<file path=ppt/slides/slide39.xml><?xml version="1.0" encoding="utf-8"?>
+<p:sld xmlns:a="http://schemas.openxmlformats.org/drawingml/2006/main" xmlns:r="http://schemas.openxmlformats.org/officeDocument/2006/relationships" xmlns:p="http://schemas.openxmlformats.org/presentationml/2006/main">
+  <p:cSld>
+    <p:spTree>
+      <p:nvGrpSpPr>
+        <p:cNvPr id="1" name="Shape 481"/>
+        <p:cNvGrpSpPr/>
+        <p:nvPr/>
+      </p:nvGrpSpPr>
+      <p:grpSpPr>
+        <a:xfrm>
+          <a:off x="0" y="0"/>
+          <a:ext cx="0" cy="0"/>
+          <a:chOff x="0" y="0"/>
+          <a:chExt cx="0" cy="0"/>
+        </a:xfrm>
+      </p:grpSpPr>
+      <p:sp>
+        <p:nvSpPr>
+          <p:cNvPr id="482" name="Google Shape;482;p57"/>
+          <p:cNvSpPr txBox="1">
+            <a:spLocks noGrp="1"/>
+          </p:cNvSpPr>
+          <p:nvPr>
+            <p:ph type="body" idx="1"/>
+          </p:nvPr>
+        </p:nvSpPr>
+        <p:spPr>
+          <a:xfrm>
+            <a:off x="311700" y="1277369"/>
+            <a:ext cx="8398800" cy="1780200"/>
+          </a:xfrm>
+          <a:prstGeom prst="rect">
+            <a:avLst/>
+          </a:prstGeom>
+        </p:spPr>
+        <p:txBody>
+          <a:bodyPr spcFirstLastPara="1" wrap="square" lIns="91425" tIns="91425" rIns="91425" bIns="91425" anchor="t" anchorCtr="0">
+            <a:noAutofit/>
+          </a:bodyPr>
+          <a:lstStyle/>
+          <a:p>
+            <a:pPr marL="0" lvl="0" indent="0" algn="l" rtl="0">
+              <a:spcBef>
+                <a:spcPts val="0"/>
+              </a:spcBef>
+              <a:spcAft>
+                <a:spcPts val="0"/>
+              </a:spcAft>
+              <a:buNone/>
+            </a:pPr>
+            <a:r>
+              <a:rPr lang="en" sz="1800" dirty="0" err="1">
+                <a:solidFill>
+                  <a:schemeClr val="dk1"/>
+                </a:solidFill>
+              </a:rPr>
+              <a:t>Utiliser</a:t>
+            </a:r>
+            <a:r>
+              <a:rPr lang="en" sz="1800" dirty="0">
+                <a:solidFill>
+                  <a:schemeClr val="dk1"/>
+                </a:solidFill>
+              </a:rPr>
+              <a:t> </a:t>
+            </a:r>
+            <a:r>
+              <a:rPr lang="en" sz="1800" dirty="0" err="1">
+                <a:solidFill>
+                  <a:schemeClr val="dk1"/>
+                </a:solidFill>
+              </a:rPr>
+              <a:t>l’opérateur</a:t>
+            </a:r>
+            <a:r>
+              <a:rPr lang="en" sz="1800" dirty="0">
+                <a:solidFill>
+                  <a:schemeClr val="dk1"/>
+                </a:solidFill>
+              </a:rPr>
+              <a:t> </a:t>
+            </a:r>
+            <a:r>
+              <a:rPr lang="en" sz="1800" dirty="0">
+                <a:solidFill>
+                  <a:schemeClr val="dk1"/>
+                </a:solidFill>
+                <a:latin typeface="Courier New"/>
+                <a:ea typeface="Courier New"/>
+                <a:cs typeface="Courier New"/>
+                <a:sym typeface="Courier New"/>
+              </a:rPr>
+              <a:t>+</a:t>
+            </a:r>
+            <a:r>
+              <a:rPr lang="en" sz="1800" dirty="0">
+                <a:solidFill>
+                  <a:schemeClr val="dk1"/>
+                </a:solidFill>
+              </a:rPr>
+              <a:t>.</a:t>
+            </a:r>
+            <a:endParaRPr sz="1800" dirty="0">
+              <a:solidFill>
+                <a:schemeClr val="dk1"/>
+              </a:solidFill>
+            </a:endParaRPr>
+          </a:p>
+          <a:p>
+            <a:pPr marL="0" lvl="0" indent="0" algn="l" rtl="0">
+              <a:spcBef>
+                <a:spcPts val="1000"/>
+              </a:spcBef>
+              <a:spcAft>
+                <a:spcPts val="0"/>
+              </a:spcAft>
+              <a:buNone/>
+            </a:pPr>
+            <a:r>
+              <a:rPr lang="en" sz="1800" dirty="0">
+                <a:latin typeface="Consolas"/>
+                <a:ea typeface="Consolas"/>
+                <a:cs typeface="Consolas"/>
+                <a:sym typeface="Consolas"/>
+              </a:rPr>
+              <a:t>  </a:t>
+            </a:r>
+            <a:r>
+              <a:rPr lang="en" sz="1800" dirty="0" err="1">
+                <a:solidFill>
+                  <a:srgbClr val="3F51B5"/>
+                </a:solidFill>
+                <a:latin typeface="Consolas"/>
+                <a:ea typeface="Consolas"/>
+                <a:cs typeface="Consolas"/>
+                <a:sym typeface="Consolas"/>
+              </a:rPr>
+              <a:t>val</a:t>
+            </a:r>
+            <a:r>
+              <a:rPr lang="en" sz="1800" dirty="0">
+                <a:solidFill>
+                  <a:srgbClr val="37474F"/>
+                </a:solidFill>
+                <a:latin typeface="Consolas"/>
+                <a:ea typeface="Consolas"/>
+                <a:cs typeface="Consolas"/>
+                <a:sym typeface="Consolas"/>
+              </a:rPr>
+              <a:t> numbers = </a:t>
+            </a:r>
+            <a:r>
+              <a:rPr lang="en" sz="1800" dirty="0" err="1">
+                <a:solidFill>
+                  <a:srgbClr val="37474F"/>
+                </a:solidFill>
+                <a:latin typeface="Consolas"/>
+                <a:ea typeface="Consolas"/>
+                <a:cs typeface="Consolas"/>
+                <a:sym typeface="Consolas"/>
+              </a:rPr>
+              <a:t>intArrayOf</a:t>
+            </a:r>
+            <a:r>
+              <a:rPr lang="en" sz="1800" dirty="0">
+                <a:solidFill>
+                  <a:srgbClr val="37474F"/>
+                </a:solidFill>
+                <a:latin typeface="Consolas"/>
+                <a:ea typeface="Consolas"/>
+                <a:cs typeface="Consolas"/>
+                <a:sym typeface="Consolas"/>
+              </a:rPr>
+              <a:t>(</a:t>
+            </a:r>
+            <a:r>
+              <a:rPr lang="en" sz="1800" dirty="0">
+                <a:solidFill>
+                  <a:srgbClr val="C53929"/>
+                </a:solidFill>
+                <a:latin typeface="Consolas"/>
+                <a:ea typeface="Consolas"/>
+                <a:cs typeface="Consolas"/>
+                <a:sym typeface="Consolas"/>
+              </a:rPr>
+              <a:t>1</a:t>
+            </a:r>
+            <a:r>
+              <a:rPr lang="en" sz="1800" dirty="0">
+                <a:solidFill>
+                  <a:srgbClr val="37474F"/>
+                </a:solidFill>
+                <a:latin typeface="Consolas"/>
+                <a:ea typeface="Consolas"/>
+                <a:cs typeface="Consolas"/>
+                <a:sym typeface="Consolas"/>
+              </a:rPr>
+              <a:t>,</a:t>
+            </a:r>
+            <a:r>
+              <a:rPr lang="en" sz="1800" dirty="0">
+                <a:solidFill>
+                  <a:srgbClr val="C53929"/>
+                </a:solidFill>
+                <a:latin typeface="Consolas"/>
+                <a:ea typeface="Consolas"/>
+                <a:cs typeface="Consolas"/>
+                <a:sym typeface="Consolas"/>
+              </a:rPr>
+              <a:t>2</a:t>
+            </a:r>
+            <a:r>
+              <a:rPr lang="en" sz="1800" dirty="0">
+                <a:solidFill>
+                  <a:srgbClr val="37474F"/>
+                </a:solidFill>
+                <a:latin typeface="Consolas"/>
+                <a:ea typeface="Consolas"/>
+                <a:cs typeface="Consolas"/>
+                <a:sym typeface="Consolas"/>
+              </a:rPr>
+              <a:t>,</a:t>
+            </a:r>
+            <a:r>
+              <a:rPr lang="en" sz="1800" dirty="0">
+                <a:solidFill>
+                  <a:srgbClr val="C53929"/>
+                </a:solidFill>
+                <a:latin typeface="Consolas"/>
+                <a:ea typeface="Consolas"/>
+                <a:cs typeface="Consolas"/>
+                <a:sym typeface="Consolas"/>
+              </a:rPr>
+              <a:t>3</a:t>
+            </a:r>
+            <a:r>
+              <a:rPr lang="en" sz="1800" dirty="0">
+                <a:solidFill>
+                  <a:srgbClr val="37474F"/>
+                </a:solidFill>
+                <a:latin typeface="Consolas"/>
+                <a:ea typeface="Consolas"/>
+                <a:cs typeface="Consolas"/>
+                <a:sym typeface="Consolas"/>
+              </a:rPr>
+              <a:t>)</a:t>
+            </a:r>
+            <a:endParaRPr sz="1800" dirty="0">
+              <a:solidFill>
+                <a:srgbClr val="37474F"/>
+              </a:solidFill>
+              <a:latin typeface="Consolas"/>
+              <a:ea typeface="Consolas"/>
+              <a:cs typeface="Consolas"/>
+              <a:sym typeface="Consolas"/>
+            </a:endParaRPr>
+          </a:p>
+          <a:p>
+            <a:pPr marL="0" lvl="0" indent="0" algn="l" rtl="0">
+              <a:spcBef>
+                <a:spcPts val="600"/>
+              </a:spcBef>
+              <a:spcAft>
+                <a:spcPts val="0"/>
+              </a:spcAft>
+              <a:buNone/>
+            </a:pPr>
+            <a:r>
+              <a:rPr lang="en" sz="1800" dirty="0">
+                <a:solidFill>
+                  <a:srgbClr val="37474F"/>
+                </a:solidFill>
+                <a:latin typeface="Consolas"/>
+                <a:ea typeface="Consolas"/>
+                <a:cs typeface="Consolas"/>
+                <a:sym typeface="Consolas"/>
+              </a:rPr>
+              <a:t>  </a:t>
+            </a:r>
+            <a:r>
+              <a:rPr lang="en" sz="1800" dirty="0" err="1">
+                <a:solidFill>
+                  <a:srgbClr val="3F51B5"/>
+                </a:solidFill>
+                <a:latin typeface="Consolas"/>
+                <a:ea typeface="Consolas"/>
+                <a:cs typeface="Consolas"/>
+                <a:sym typeface="Consolas"/>
+              </a:rPr>
+              <a:t>val</a:t>
+            </a:r>
+            <a:r>
+              <a:rPr lang="en" sz="1800" dirty="0">
+                <a:solidFill>
+                  <a:srgbClr val="37474F"/>
+                </a:solidFill>
+                <a:latin typeface="Consolas"/>
+                <a:ea typeface="Consolas"/>
+                <a:cs typeface="Consolas"/>
+                <a:sym typeface="Consolas"/>
+              </a:rPr>
+              <a:t> numbers2 = </a:t>
+            </a:r>
+            <a:r>
+              <a:rPr lang="en" sz="1800" dirty="0" err="1">
+                <a:solidFill>
+                  <a:srgbClr val="37474F"/>
+                </a:solidFill>
+                <a:latin typeface="Consolas"/>
+                <a:ea typeface="Consolas"/>
+                <a:cs typeface="Consolas"/>
+                <a:sym typeface="Consolas"/>
+              </a:rPr>
+              <a:t>intArrayOf</a:t>
+            </a:r>
+            <a:r>
+              <a:rPr lang="en" sz="1800" dirty="0">
+                <a:solidFill>
+                  <a:srgbClr val="37474F"/>
+                </a:solidFill>
+                <a:latin typeface="Consolas"/>
+                <a:ea typeface="Consolas"/>
+                <a:cs typeface="Consolas"/>
+                <a:sym typeface="Consolas"/>
+              </a:rPr>
+              <a:t>(</a:t>
+            </a:r>
+            <a:r>
+              <a:rPr lang="en" sz="1800" dirty="0">
+                <a:solidFill>
+                  <a:srgbClr val="C53929"/>
+                </a:solidFill>
+                <a:latin typeface="Consolas"/>
+                <a:ea typeface="Consolas"/>
+                <a:cs typeface="Consolas"/>
+                <a:sym typeface="Consolas"/>
+              </a:rPr>
+              <a:t>4</a:t>
+            </a:r>
+            <a:r>
+              <a:rPr lang="en" sz="1800" dirty="0">
+                <a:solidFill>
+                  <a:srgbClr val="37474F"/>
+                </a:solidFill>
+                <a:latin typeface="Consolas"/>
+                <a:ea typeface="Consolas"/>
+                <a:cs typeface="Consolas"/>
+                <a:sym typeface="Consolas"/>
+              </a:rPr>
+              <a:t>,</a:t>
+            </a:r>
+            <a:r>
+              <a:rPr lang="en" sz="1800" dirty="0">
+                <a:solidFill>
+                  <a:srgbClr val="C53929"/>
+                </a:solidFill>
+                <a:latin typeface="Consolas"/>
+                <a:ea typeface="Consolas"/>
+                <a:cs typeface="Consolas"/>
+                <a:sym typeface="Consolas"/>
+              </a:rPr>
+              <a:t>5</a:t>
+            </a:r>
+            <a:r>
+              <a:rPr lang="en" sz="1800" dirty="0">
+                <a:solidFill>
+                  <a:srgbClr val="37474F"/>
+                </a:solidFill>
+                <a:latin typeface="Consolas"/>
+                <a:ea typeface="Consolas"/>
+                <a:cs typeface="Consolas"/>
+                <a:sym typeface="Consolas"/>
+              </a:rPr>
+              <a:t>,</a:t>
+            </a:r>
+            <a:r>
+              <a:rPr lang="en" sz="1800" dirty="0">
+                <a:solidFill>
+                  <a:srgbClr val="C53929"/>
+                </a:solidFill>
+                <a:latin typeface="Consolas"/>
+                <a:ea typeface="Consolas"/>
+                <a:cs typeface="Consolas"/>
+                <a:sym typeface="Consolas"/>
+              </a:rPr>
+              <a:t>6</a:t>
+            </a:r>
+            <a:r>
+              <a:rPr lang="en" sz="1800" dirty="0">
+                <a:solidFill>
+                  <a:srgbClr val="37474F"/>
+                </a:solidFill>
+                <a:latin typeface="Consolas"/>
+                <a:ea typeface="Consolas"/>
+                <a:cs typeface="Consolas"/>
+                <a:sym typeface="Consolas"/>
+              </a:rPr>
+              <a:t>)</a:t>
+            </a:r>
+            <a:endParaRPr sz="1800" dirty="0">
+              <a:solidFill>
+                <a:srgbClr val="37474F"/>
+              </a:solidFill>
+              <a:latin typeface="Consolas"/>
+              <a:ea typeface="Consolas"/>
+              <a:cs typeface="Consolas"/>
+              <a:sym typeface="Consolas"/>
+            </a:endParaRPr>
+          </a:p>
+          <a:p>
+            <a:pPr marL="0" lvl="0" indent="0" algn="l" rtl="0">
+              <a:spcBef>
+                <a:spcPts val="600"/>
+              </a:spcBef>
+              <a:spcAft>
+                <a:spcPts val="0"/>
+              </a:spcAft>
+              <a:buNone/>
+            </a:pPr>
+            <a:r>
+              <a:rPr lang="en" sz="1800" dirty="0">
+                <a:solidFill>
+                  <a:srgbClr val="37474F"/>
+                </a:solidFill>
+                <a:latin typeface="Consolas"/>
+                <a:ea typeface="Consolas"/>
+                <a:cs typeface="Consolas"/>
+                <a:sym typeface="Consolas"/>
+              </a:rPr>
+              <a:t>  </a:t>
+            </a:r>
+            <a:r>
+              <a:rPr lang="en" sz="1800" dirty="0" err="1">
+                <a:solidFill>
+                  <a:srgbClr val="3F51B5"/>
+                </a:solidFill>
+                <a:latin typeface="Consolas"/>
+                <a:ea typeface="Consolas"/>
+                <a:cs typeface="Consolas"/>
+                <a:sym typeface="Consolas"/>
+              </a:rPr>
+              <a:t>val</a:t>
+            </a:r>
+            <a:r>
+              <a:rPr lang="en" sz="1800" dirty="0">
+                <a:solidFill>
+                  <a:srgbClr val="37474F"/>
+                </a:solidFill>
+                <a:latin typeface="Consolas"/>
+                <a:ea typeface="Consolas"/>
+                <a:cs typeface="Consolas"/>
+                <a:sym typeface="Consolas"/>
+              </a:rPr>
+              <a:t> combined = numbers2 + numbers</a:t>
+            </a:r>
+            <a:endParaRPr sz="1800" dirty="0">
+              <a:solidFill>
+                <a:srgbClr val="37474F"/>
+              </a:solidFill>
+              <a:latin typeface="Consolas"/>
+              <a:ea typeface="Consolas"/>
+              <a:cs typeface="Consolas"/>
+              <a:sym typeface="Consolas"/>
+            </a:endParaRPr>
+          </a:p>
+          <a:p>
+            <a:pPr marL="0" lvl="0" indent="0" algn="l" rtl="0">
+              <a:spcBef>
+                <a:spcPts val="600"/>
+              </a:spcBef>
+              <a:spcAft>
+                <a:spcPts val="0"/>
+              </a:spcAft>
+              <a:buNone/>
+            </a:pPr>
+            <a:r>
+              <a:rPr lang="en" sz="1800" dirty="0">
+                <a:solidFill>
+                  <a:srgbClr val="37474F"/>
+                </a:solidFill>
+                <a:latin typeface="Consolas"/>
+                <a:ea typeface="Consolas"/>
+                <a:cs typeface="Consolas"/>
+                <a:sym typeface="Consolas"/>
+              </a:rPr>
+              <a:t>  </a:t>
+            </a:r>
+            <a:r>
+              <a:rPr lang="en" sz="1800" dirty="0" err="1">
+                <a:solidFill>
+                  <a:srgbClr val="37474F"/>
+                </a:solidFill>
+                <a:latin typeface="Consolas"/>
+                <a:ea typeface="Consolas"/>
+                <a:cs typeface="Consolas"/>
+                <a:sym typeface="Consolas"/>
+              </a:rPr>
+              <a:t>println</a:t>
+            </a:r>
+            <a:r>
+              <a:rPr lang="en" sz="1800" dirty="0">
+                <a:solidFill>
+                  <a:srgbClr val="37474F"/>
+                </a:solidFill>
+                <a:latin typeface="Consolas"/>
+                <a:ea typeface="Consolas"/>
+                <a:cs typeface="Consolas"/>
+                <a:sym typeface="Consolas"/>
+              </a:rPr>
+              <a:t>(</a:t>
+            </a:r>
+            <a:r>
+              <a:rPr lang="en" sz="1800" dirty="0" err="1">
+                <a:solidFill>
+                  <a:srgbClr val="37474F"/>
+                </a:solidFill>
+                <a:latin typeface="Consolas"/>
+                <a:ea typeface="Consolas"/>
+                <a:cs typeface="Consolas"/>
+                <a:sym typeface="Consolas"/>
+              </a:rPr>
+              <a:t>Arrays.toString</a:t>
+            </a:r>
+            <a:r>
+              <a:rPr lang="en" sz="1800" dirty="0">
+                <a:solidFill>
+                  <a:srgbClr val="37474F"/>
+                </a:solidFill>
+                <a:latin typeface="Consolas"/>
+                <a:ea typeface="Consolas"/>
+                <a:cs typeface="Consolas"/>
+                <a:sym typeface="Consolas"/>
+              </a:rPr>
+              <a:t>(combined))</a:t>
+            </a:r>
+            <a:endParaRPr sz="1800" dirty="0">
+              <a:latin typeface="Consolas"/>
+              <a:ea typeface="Consolas"/>
+              <a:cs typeface="Consolas"/>
+              <a:sym typeface="Consolas"/>
+            </a:endParaRPr>
+          </a:p>
+          <a:p>
+            <a:pPr marL="0" lvl="0" indent="0" algn="l" rtl="0">
+              <a:spcBef>
+                <a:spcPts val="600"/>
+              </a:spcBef>
+              <a:spcAft>
+                <a:spcPts val="0"/>
+              </a:spcAft>
+              <a:buNone/>
+            </a:pPr>
+            <a:endParaRPr sz="1200" dirty="0">
+              <a:solidFill>
+                <a:schemeClr val="dk1"/>
+              </a:solidFill>
+              <a:latin typeface="Courier New"/>
+              <a:ea typeface="Courier New"/>
+              <a:cs typeface="Courier New"/>
+              <a:sym typeface="Courier New"/>
+            </a:endParaRPr>
+          </a:p>
+          <a:p>
+            <a:pPr marL="457200" lvl="0" indent="0" algn="l" rtl="0">
+              <a:spcBef>
+                <a:spcPts val="1000"/>
+              </a:spcBef>
+              <a:spcAft>
+                <a:spcPts val="0"/>
+              </a:spcAft>
+              <a:buNone/>
+            </a:pPr>
+            <a:endParaRPr sz="1400" dirty="0">
+              <a:solidFill>
+                <a:schemeClr val="dk1"/>
+              </a:solidFill>
+            </a:endParaRPr>
+          </a:p>
+          <a:p>
+            <a:pPr marL="457200" lvl="0" indent="0" algn="l" rtl="0">
+              <a:lnSpc>
+                <a:spcPct val="100000"/>
+              </a:lnSpc>
+              <a:spcBef>
+                <a:spcPts val="300"/>
+              </a:spcBef>
+              <a:spcAft>
+                <a:spcPts val="1000"/>
+              </a:spcAft>
+              <a:buNone/>
+            </a:pPr>
+            <a:endParaRPr sz="1200" dirty="0">
+              <a:solidFill>
+                <a:schemeClr val="dk1"/>
+              </a:solidFill>
+              <a:highlight>
+                <a:srgbClr val="FFFFFF"/>
+              </a:highlight>
+              <a:latin typeface="Courier New"/>
+              <a:ea typeface="Courier New"/>
+              <a:cs typeface="Courier New"/>
+              <a:sym typeface="Courier New"/>
+            </a:endParaRPr>
+          </a:p>
+        </p:txBody>
+      </p:sp>
+      <p:sp>
+        <p:nvSpPr>
+          <p:cNvPr id="483" name="Google Shape;483;p57"/>
+          <p:cNvSpPr txBox="1">
+            <a:spLocks noGrp="1"/>
+          </p:cNvSpPr>
+          <p:nvPr>
+            <p:ph type="sldNum" idx="12"/>
+          </p:nvPr>
+        </p:nvSpPr>
+        <p:spPr>
+          <a:xfrm>
+            <a:off x="8548658" y="4739417"/>
+            <a:ext cx="548700" cy="393600"/>
+          </a:xfrm>
+          <a:prstGeom prst="rect">
+            <a:avLst/>
+          </a:prstGeom>
+        </p:spPr>
+        <p:txBody>
+          <a:bodyPr spcFirstLastPara="1" wrap="square" lIns="91425" tIns="91425" rIns="91425" bIns="91425" anchor="ctr" anchorCtr="0">
+            <a:noAutofit/>
+          </a:bodyPr>
+          <a:lstStyle/>
+          <a:p>
+            <a:pPr marL="0" lvl="0" indent="0" algn="r" rtl="0">
+              <a:spcBef>
+                <a:spcPts val="0"/>
+              </a:spcBef>
+              <a:spcAft>
+                <a:spcPts val="0"/>
+              </a:spcAft>
+              <a:buNone/>
+            </a:pPr>
+            <a:fld id="{00000000-1234-1234-1234-123412341234}" type="slidenum">
+              <a:rPr lang="en"/>
+              <a:t>39</a:t>
+            </a:fld>
+            <a:endParaRPr/>
+          </a:p>
+        </p:txBody>
+      </p:sp>
+      <p:sp>
+        <p:nvSpPr>
+          <p:cNvPr id="484" name="Google Shape;484;p57"/>
+          <p:cNvSpPr txBox="1">
+            <a:spLocks noGrp="1"/>
+          </p:cNvSpPr>
+          <p:nvPr>
+            <p:ph type="title"/>
+          </p:nvPr>
+        </p:nvSpPr>
+        <p:spPr>
+          <a:xfrm>
+            <a:off x="311700" y="247025"/>
+            <a:ext cx="8657700" cy="572700"/>
+          </a:xfrm>
+          <a:prstGeom prst="rect">
+            <a:avLst/>
+          </a:prstGeom>
+        </p:spPr>
+        <p:txBody>
+          <a:bodyPr spcFirstLastPara="1" wrap="square" lIns="91425" tIns="91425" rIns="91425" bIns="91425" anchor="b" anchorCtr="0">
+            <a:noAutofit/>
+          </a:bodyPr>
+          <a:lstStyle/>
+          <a:p>
+            <a:pPr marL="0" lvl="0" indent="0" algn="l" rtl="0">
+              <a:spcBef>
+                <a:spcPts val="0"/>
+              </a:spcBef>
+              <a:spcAft>
+                <a:spcPts val="0"/>
+              </a:spcAft>
+              <a:buClr>
+                <a:schemeClr val="dk1"/>
+              </a:buClr>
+              <a:buSzPts val="1100"/>
+              <a:buFont typeface="Arial"/>
+              <a:buNone/>
+            </a:pPr>
+            <a:r>
+              <a:rPr lang="en" dirty="0"/>
+              <a:t>Combiner des arrays</a:t>
+            </a:r>
+            <a:endParaRPr dirty="0">
+              <a:solidFill>
+                <a:srgbClr val="FFFFFF"/>
+              </a:solidFill>
+            </a:endParaRPr>
+          </a:p>
+        </p:txBody>
+      </p:sp>
+      <p:sp>
+        <p:nvSpPr>
+          <p:cNvPr id="485" name="Google Shape;485;p57"/>
+          <p:cNvSpPr txBox="1"/>
+          <p:nvPr/>
+        </p:nvSpPr>
+        <p:spPr>
+          <a:xfrm>
+            <a:off x="311700" y="3493075"/>
+            <a:ext cx="4050600" cy="344400"/>
+          </a:xfrm>
+          <a:prstGeom prst="rect">
+            <a:avLst/>
+          </a:prstGeom>
+          <a:noFill/>
+          <a:ln>
+            <a:noFill/>
+          </a:ln>
+        </p:spPr>
+        <p:txBody>
+          <a:bodyPr spcFirstLastPara="1" wrap="square" lIns="91425" tIns="91425" rIns="91425" bIns="91425" anchor="t" anchorCtr="0">
+            <a:noAutofit/>
+          </a:bodyPr>
+          <a:lstStyle/>
+          <a:p>
+            <a:pPr marL="0" lvl="0" indent="0" algn="l" rtl="0">
+              <a:lnSpc>
+                <a:spcPct val="115000"/>
+              </a:lnSpc>
+              <a:spcBef>
+                <a:spcPts val="0"/>
+              </a:spcBef>
+              <a:spcAft>
+                <a:spcPts val="600"/>
+              </a:spcAft>
+              <a:buClr>
+                <a:schemeClr val="dk1"/>
+              </a:buClr>
+              <a:buSzPts val="1100"/>
+              <a:buFont typeface="Arial"/>
+              <a:buNone/>
+            </a:pPr>
+            <a:r>
+              <a:rPr lang="en" sz="1800">
+                <a:solidFill>
+                  <a:srgbClr val="1155CC"/>
+                </a:solidFill>
+                <a:latin typeface="Consolas"/>
+                <a:ea typeface="Consolas"/>
+                <a:cs typeface="Consolas"/>
+                <a:sym typeface="Consolas"/>
+              </a:rPr>
+              <a:t>  =&gt; [4, 5, 6, 1, 2, 3]</a:t>
+            </a:r>
+            <a:endParaRPr sz="1800">
               <a:latin typeface="Consolas"/>
               <a:ea typeface="Consolas"/>
               <a:cs typeface="Consolas"/>
@@ -35989,777 +36638,6 @@
   <p:cSld>
     <p:spTree>
       <p:nvGrpSpPr>
-        <p:cNvPr id="1" name="Shape 481"/>
-        <p:cNvGrpSpPr/>
-        <p:nvPr/>
-      </p:nvGrpSpPr>
-      <p:grpSpPr>
-        <a:xfrm>
-          <a:off x="0" y="0"/>
-          <a:ext cx="0" cy="0"/>
-          <a:chOff x="0" y="0"/>
-          <a:chExt cx="0" cy="0"/>
-        </a:xfrm>
-      </p:grpSpPr>
-      <p:sp>
-        <p:nvSpPr>
-          <p:cNvPr id="482" name="Google Shape;482;p57"/>
-          <p:cNvSpPr txBox="1">
-            <a:spLocks noGrp="1"/>
-          </p:cNvSpPr>
-          <p:nvPr>
-            <p:ph type="body" idx="1"/>
-          </p:nvPr>
-        </p:nvSpPr>
-        <p:spPr>
-          <a:xfrm>
-            <a:off x="311700" y="1277369"/>
-            <a:ext cx="8398800" cy="1780200"/>
-          </a:xfrm>
-          <a:prstGeom prst="rect">
-            <a:avLst/>
-          </a:prstGeom>
-        </p:spPr>
-        <p:txBody>
-          <a:bodyPr spcFirstLastPara="1" wrap="square" lIns="91425" tIns="91425" rIns="91425" bIns="91425" anchor="t" anchorCtr="0">
-            <a:noAutofit/>
-          </a:bodyPr>
-          <a:lstStyle/>
-          <a:p>
-            <a:pPr marL="0" lvl="0" indent="0" algn="l" rtl="0">
-              <a:spcBef>
-                <a:spcPts val="0"/>
-              </a:spcBef>
-              <a:spcAft>
-                <a:spcPts val="0"/>
-              </a:spcAft>
-              <a:buNone/>
-            </a:pPr>
-            <a:r>
-              <a:rPr lang="en" sz="1800" dirty="0" err="1">
-                <a:solidFill>
-                  <a:schemeClr val="dk1"/>
-                </a:solidFill>
-              </a:rPr>
-              <a:t>Utiliser</a:t>
-            </a:r>
-            <a:r>
-              <a:rPr lang="en" sz="1800" dirty="0">
-                <a:solidFill>
-                  <a:schemeClr val="dk1"/>
-                </a:solidFill>
-              </a:rPr>
-              <a:t> </a:t>
-            </a:r>
-            <a:r>
-              <a:rPr lang="en" sz="1800" dirty="0" err="1">
-                <a:solidFill>
-                  <a:schemeClr val="dk1"/>
-                </a:solidFill>
-              </a:rPr>
-              <a:t>l’opérateur</a:t>
-            </a:r>
-            <a:r>
-              <a:rPr lang="en" sz="1800" dirty="0">
-                <a:solidFill>
-                  <a:schemeClr val="dk1"/>
-                </a:solidFill>
-              </a:rPr>
-              <a:t> </a:t>
-            </a:r>
-            <a:r>
-              <a:rPr lang="en" sz="1800" dirty="0">
-                <a:solidFill>
-                  <a:schemeClr val="dk1"/>
-                </a:solidFill>
-                <a:latin typeface="Courier New"/>
-                <a:ea typeface="Courier New"/>
-                <a:cs typeface="Courier New"/>
-                <a:sym typeface="Courier New"/>
-              </a:rPr>
-              <a:t>+</a:t>
-            </a:r>
-            <a:r>
-              <a:rPr lang="en" sz="1800" dirty="0">
-                <a:solidFill>
-                  <a:schemeClr val="dk1"/>
-                </a:solidFill>
-              </a:rPr>
-              <a:t>.</a:t>
-            </a:r>
-            <a:endParaRPr sz="1800" dirty="0">
-              <a:solidFill>
-                <a:schemeClr val="dk1"/>
-              </a:solidFill>
-            </a:endParaRPr>
-          </a:p>
-          <a:p>
-            <a:pPr marL="0" lvl="0" indent="0" algn="l" rtl="0">
-              <a:spcBef>
-                <a:spcPts val="1000"/>
-              </a:spcBef>
-              <a:spcAft>
-                <a:spcPts val="0"/>
-              </a:spcAft>
-              <a:buNone/>
-            </a:pPr>
-            <a:r>
-              <a:rPr lang="en" sz="1800" dirty="0">
-                <a:latin typeface="Consolas"/>
-                <a:ea typeface="Consolas"/>
-                <a:cs typeface="Consolas"/>
-                <a:sym typeface="Consolas"/>
-              </a:rPr>
-              <a:t>  </a:t>
-            </a:r>
-            <a:r>
-              <a:rPr lang="en" sz="1800" dirty="0" err="1">
-                <a:solidFill>
-                  <a:srgbClr val="3F51B5"/>
-                </a:solidFill>
-                <a:latin typeface="Consolas"/>
-                <a:ea typeface="Consolas"/>
-                <a:cs typeface="Consolas"/>
-                <a:sym typeface="Consolas"/>
-              </a:rPr>
-              <a:t>val</a:t>
-            </a:r>
-            <a:r>
-              <a:rPr lang="en" sz="1800" dirty="0">
-                <a:solidFill>
-                  <a:srgbClr val="37474F"/>
-                </a:solidFill>
-                <a:latin typeface="Consolas"/>
-                <a:ea typeface="Consolas"/>
-                <a:cs typeface="Consolas"/>
-                <a:sym typeface="Consolas"/>
-              </a:rPr>
-              <a:t> numbers = </a:t>
-            </a:r>
-            <a:r>
-              <a:rPr lang="en" sz="1800" dirty="0" err="1">
-                <a:solidFill>
-                  <a:srgbClr val="37474F"/>
-                </a:solidFill>
-                <a:latin typeface="Consolas"/>
-                <a:ea typeface="Consolas"/>
-                <a:cs typeface="Consolas"/>
-                <a:sym typeface="Consolas"/>
-              </a:rPr>
-              <a:t>intArrayOf</a:t>
-            </a:r>
-            <a:r>
-              <a:rPr lang="en" sz="1800" dirty="0">
-                <a:solidFill>
-                  <a:srgbClr val="37474F"/>
-                </a:solidFill>
-                <a:latin typeface="Consolas"/>
-                <a:ea typeface="Consolas"/>
-                <a:cs typeface="Consolas"/>
-                <a:sym typeface="Consolas"/>
-              </a:rPr>
-              <a:t>(</a:t>
-            </a:r>
-            <a:r>
-              <a:rPr lang="en" sz="1800" dirty="0">
-                <a:solidFill>
-                  <a:srgbClr val="C53929"/>
-                </a:solidFill>
-                <a:latin typeface="Consolas"/>
-                <a:ea typeface="Consolas"/>
-                <a:cs typeface="Consolas"/>
-                <a:sym typeface="Consolas"/>
-              </a:rPr>
-              <a:t>1</a:t>
-            </a:r>
-            <a:r>
-              <a:rPr lang="en" sz="1800" dirty="0">
-                <a:solidFill>
-                  <a:srgbClr val="37474F"/>
-                </a:solidFill>
-                <a:latin typeface="Consolas"/>
-                <a:ea typeface="Consolas"/>
-                <a:cs typeface="Consolas"/>
-                <a:sym typeface="Consolas"/>
-              </a:rPr>
-              <a:t>,</a:t>
-            </a:r>
-            <a:r>
-              <a:rPr lang="en" sz="1800" dirty="0">
-                <a:solidFill>
-                  <a:srgbClr val="C53929"/>
-                </a:solidFill>
-                <a:latin typeface="Consolas"/>
-                <a:ea typeface="Consolas"/>
-                <a:cs typeface="Consolas"/>
-                <a:sym typeface="Consolas"/>
-              </a:rPr>
-              <a:t>2</a:t>
-            </a:r>
-            <a:r>
-              <a:rPr lang="en" sz="1800" dirty="0">
-                <a:solidFill>
-                  <a:srgbClr val="37474F"/>
-                </a:solidFill>
-                <a:latin typeface="Consolas"/>
-                <a:ea typeface="Consolas"/>
-                <a:cs typeface="Consolas"/>
-                <a:sym typeface="Consolas"/>
-              </a:rPr>
-              <a:t>,</a:t>
-            </a:r>
-            <a:r>
-              <a:rPr lang="en" sz="1800" dirty="0">
-                <a:solidFill>
-                  <a:srgbClr val="C53929"/>
-                </a:solidFill>
-                <a:latin typeface="Consolas"/>
-                <a:ea typeface="Consolas"/>
-                <a:cs typeface="Consolas"/>
-                <a:sym typeface="Consolas"/>
-              </a:rPr>
-              <a:t>3</a:t>
-            </a:r>
-            <a:r>
-              <a:rPr lang="en" sz="1800" dirty="0">
-                <a:solidFill>
-                  <a:srgbClr val="37474F"/>
-                </a:solidFill>
-                <a:latin typeface="Consolas"/>
-                <a:ea typeface="Consolas"/>
-                <a:cs typeface="Consolas"/>
-                <a:sym typeface="Consolas"/>
-              </a:rPr>
-              <a:t>)</a:t>
-            </a:r>
-            <a:endParaRPr sz="1800" dirty="0">
-              <a:solidFill>
-                <a:srgbClr val="37474F"/>
-              </a:solidFill>
-              <a:latin typeface="Consolas"/>
-              <a:ea typeface="Consolas"/>
-              <a:cs typeface="Consolas"/>
-              <a:sym typeface="Consolas"/>
-            </a:endParaRPr>
-          </a:p>
-          <a:p>
-            <a:pPr marL="0" lvl="0" indent="0" algn="l" rtl="0">
-              <a:spcBef>
-                <a:spcPts val="600"/>
-              </a:spcBef>
-              <a:spcAft>
-                <a:spcPts val="0"/>
-              </a:spcAft>
-              <a:buNone/>
-            </a:pPr>
-            <a:r>
-              <a:rPr lang="en" sz="1800" dirty="0">
-                <a:solidFill>
-                  <a:srgbClr val="37474F"/>
-                </a:solidFill>
-                <a:latin typeface="Consolas"/>
-                <a:ea typeface="Consolas"/>
-                <a:cs typeface="Consolas"/>
-                <a:sym typeface="Consolas"/>
-              </a:rPr>
-              <a:t>  </a:t>
-            </a:r>
-            <a:r>
-              <a:rPr lang="en" sz="1800" dirty="0" err="1">
-                <a:solidFill>
-                  <a:srgbClr val="3F51B5"/>
-                </a:solidFill>
-                <a:latin typeface="Consolas"/>
-                <a:ea typeface="Consolas"/>
-                <a:cs typeface="Consolas"/>
-                <a:sym typeface="Consolas"/>
-              </a:rPr>
-              <a:t>val</a:t>
-            </a:r>
-            <a:r>
-              <a:rPr lang="en" sz="1800" dirty="0">
-                <a:solidFill>
-                  <a:srgbClr val="37474F"/>
-                </a:solidFill>
-                <a:latin typeface="Consolas"/>
-                <a:ea typeface="Consolas"/>
-                <a:cs typeface="Consolas"/>
-                <a:sym typeface="Consolas"/>
-              </a:rPr>
-              <a:t> numbers2 = </a:t>
-            </a:r>
-            <a:r>
-              <a:rPr lang="en" sz="1800" dirty="0" err="1">
-                <a:solidFill>
-                  <a:srgbClr val="37474F"/>
-                </a:solidFill>
-                <a:latin typeface="Consolas"/>
-                <a:ea typeface="Consolas"/>
-                <a:cs typeface="Consolas"/>
-                <a:sym typeface="Consolas"/>
-              </a:rPr>
-              <a:t>intArrayOf</a:t>
-            </a:r>
-            <a:r>
-              <a:rPr lang="en" sz="1800" dirty="0">
-                <a:solidFill>
-                  <a:srgbClr val="37474F"/>
-                </a:solidFill>
-                <a:latin typeface="Consolas"/>
-                <a:ea typeface="Consolas"/>
-                <a:cs typeface="Consolas"/>
-                <a:sym typeface="Consolas"/>
-              </a:rPr>
-              <a:t>(</a:t>
-            </a:r>
-            <a:r>
-              <a:rPr lang="en" sz="1800" dirty="0">
-                <a:solidFill>
-                  <a:srgbClr val="C53929"/>
-                </a:solidFill>
-                <a:latin typeface="Consolas"/>
-                <a:ea typeface="Consolas"/>
-                <a:cs typeface="Consolas"/>
-                <a:sym typeface="Consolas"/>
-              </a:rPr>
-              <a:t>4</a:t>
-            </a:r>
-            <a:r>
-              <a:rPr lang="en" sz="1800" dirty="0">
-                <a:solidFill>
-                  <a:srgbClr val="37474F"/>
-                </a:solidFill>
-                <a:latin typeface="Consolas"/>
-                <a:ea typeface="Consolas"/>
-                <a:cs typeface="Consolas"/>
-                <a:sym typeface="Consolas"/>
-              </a:rPr>
-              <a:t>,</a:t>
-            </a:r>
-            <a:r>
-              <a:rPr lang="en" sz="1800" dirty="0">
-                <a:solidFill>
-                  <a:srgbClr val="C53929"/>
-                </a:solidFill>
-                <a:latin typeface="Consolas"/>
-                <a:ea typeface="Consolas"/>
-                <a:cs typeface="Consolas"/>
-                <a:sym typeface="Consolas"/>
-              </a:rPr>
-              <a:t>5</a:t>
-            </a:r>
-            <a:r>
-              <a:rPr lang="en" sz="1800" dirty="0">
-                <a:solidFill>
-                  <a:srgbClr val="37474F"/>
-                </a:solidFill>
-                <a:latin typeface="Consolas"/>
-                <a:ea typeface="Consolas"/>
-                <a:cs typeface="Consolas"/>
-                <a:sym typeface="Consolas"/>
-              </a:rPr>
-              <a:t>,</a:t>
-            </a:r>
-            <a:r>
-              <a:rPr lang="en" sz="1800" dirty="0">
-                <a:solidFill>
-                  <a:srgbClr val="C53929"/>
-                </a:solidFill>
-                <a:latin typeface="Consolas"/>
-                <a:ea typeface="Consolas"/>
-                <a:cs typeface="Consolas"/>
-                <a:sym typeface="Consolas"/>
-              </a:rPr>
-              <a:t>6</a:t>
-            </a:r>
-            <a:r>
-              <a:rPr lang="en" sz="1800" dirty="0">
-                <a:solidFill>
-                  <a:srgbClr val="37474F"/>
-                </a:solidFill>
-                <a:latin typeface="Consolas"/>
-                <a:ea typeface="Consolas"/>
-                <a:cs typeface="Consolas"/>
-                <a:sym typeface="Consolas"/>
-              </a:rPr>
-              <a:t>)</a:t>
-            </a:r>
-            <a:endParaRPr sz="1800" dirty="0">
-              <a:solidFill>
-                <a:srgbClr val="37474F"/>
-              </a:solidFill>
-              <a:latin typeface="Consolas"/>
-              <a:ea typeface="Consolas"/>
-              <a:cs typeface="Consolas"/>
-              <a:sym typeface="Consolas"/>
-            </a:endParaRPr>
-          </a:p>
-          <a:p>
-            <a:pPr marL="0" lvl="0" indent="0" algn="l" rtl="0">
-              <a:spcBef>
-                <a:spcPts val="600"/>
-              </a:spcBef>
-              <a:spcAft>
-                <a:spcPts val="0"/>
-              </a:spcAft>
-              <a:buNone/>
-            </a:pPr>
-            <a:r>
-              <a:rPr lang="en" sz="1800" dirty="0">
-                <a:solidFill>
-                  <a:srgbClr val="37474F"/>
-                </a:solidFill>
-                <a:latin typeface="Consolas"/>
-                <a:ea typeface="Consolas"/>
-                <a:cs typeface="Consolas"/>
-                <a:sym typeface="Consolas"/>
-              </a:rPr>
-              <a:t>  </a:t>
-            </a:r>
-            <a:r>
-              <a:rPr lang="en" sz="1800" dirty="0" err="1">
-                <a:solidFill>
-                  <a:srgbClr val="3F51B5"/>
-                </a:solidFill>
-                <a:latin typeface="Consolas"/>
-                <a:ea typeface="Consolas"/>
-                <a:cs typeface="Consolas"/>
-                <a:sym typeface="Consolas"/>
-              </a:rPr>
-              <a:t>val</a:t>
-            </a:r>
-            <a:r>
-              <a:rPr lang="en" sz="1800" dirty="0">
-                <a:solidFill>
-                  <a:srgbClr val="37474F"/>
-                </a:solidFill>
-                <a:latin typeface="Consolas"/>
-                <a:ea typeface="Consolas"/>
-                <a:cs typeface="Consolas"/>
-                <a:sym typeface="Consolas"/>
-              </a:rPr>
-              <a:t> combined = numbers2 + numbers</a:t>
-            </a:r>
-            <a:endParaRPr sz="1800" dirty="0">
-              <a:solidFill>
-                <a:srgbClr val="37474F"/>
-              </a:solidFill>
-              <a:latin typeface="Consolas"/>
-              <a:ea typeface="Consolas"/>
-              <a:cs typeface="Consolas"/>
-              <a:sym typeface="Consolas"/>
-            </a:endParaRPr>
-          </a:p>
-          <a:p>
-            <a:pPr marL="0" lvl="0" indent="0" algn="l" rtl="0">
-              <a:spcBef>
-                <a:spcPts val="600"/>
-              </a:spcBef>
-              <a:spcAft>
-                <a:spcPts val="0"/>
-              </a:spcAft>
-              <a:buNone/>
-            </a:pPr>
-            <a:r>
-              <a:rPr lang="en" sz="1800" dirty="0">
-                <a:solidFill>
-                  <a:srgbClr val="37474F"/>
-                </a:solidFill>
-                <a:latin typeface="Consolas"/>
-                <a:ea typeface="Consolas"/>
-                <a:cs typeface="Consolas"/>
-                <a:sym typeface="Consolas"/>
-              </a:rPr>
-              <a:t>  </a:t>
-            </a:r>
-            <a:r>
-              <a:rPr lang="en" sz="1800" dirty="0" err="1">
-                <a:solidFill>
-                  <a:srgbClr val="37474F"/>
-                </a:solidFill>
-                <a:latin typeface="Consolas"/>
-                <a:ea typeface="Consolas"/>
-                <a:cs typeface="Consolas"/>
-                <a:sym typeface="Consolas"/>
-              </a:rPr>
-              <a:t>println</a:t>
-            </a:r>
-            <a:r>
-              <a:rPr lang="en" sz="1800" dirty="0">
-                <a:solidFill>
-                  <a:srgbClr val="37474F"/>
-                </a:solidFill>
-                <a:latin typeface="Consolas"/>
-                <a:ea typeface="Consolas"/>
-                <a:cs typeface="Consolas"/>
-                <a:sym typeface="Consolas"/>
-              </a:rPr>
-              <a:t>(</a:t>
-            </a:r>
-            <a:r>
-              <a:rPr lang="en" sz="1800" dirty="0" err="1">
-                <a:solidFill>
-                  <a:srgbClr val="37474F"/>
-                </a:solidFill>
-                <a:latin typeface="Consolas"/>
-                <a:ea typeface="Consolas"/>
-                <a:cs typeface="Consolas"/>
-                <a:sym typeface="Consolas"/>
-              </a:rPr>
-              <a:t>Arrays.toString</a:t>
-            </a:r>
-            <a:r>
-              <a:rPr lang="en" sz="1800" dirty="0">
-                <a:solidFill>
-                  <a:srgbClr val="37474F"/>
-                </a:solidFill>
-                <a:latin typeface="Consolas"/>
-                <a:ea typeface="Consolas"/>
-                <a:cs typeface="Consolas"/>
-                <a:sym typeface="Consolas"/>
-              </a:rPr>
-              <a:t>(combined))</a:t>
-            </a:r>
-            <a:endParaRPr sz="1800" dirty="0">
-              <a:latin typeface="Consolas"/>
-              <a:ea typeface="Consolas"/>
-              <a:cs typeface="Consolas"/>
-              <a:sym typeface="Consolas"/>
-            </a:endParaRPr>
-          </a:p>
-          <a:p>
-            <a:pPr marL="0" lvl="0" indent="0" algn="l" rtl="0">
-              <a:spcBef>
-                <a:spcPts val="600"/>
-              </a:spcBef>
-              <a:spcAft>
-                <a:spcPts val="0"/>
-              </a:spcAft>
-              <a:buNone/>
-            </a:pPr>
-            <a:endParaRPr sz="1200" dirty="0">
-              <a:solidFill>
-                <a:schemeClr val="dk1"/>
-              </a:solidFill>
-              <a:latin typeface="Courier New"/>
-              <a:ea typeface="Courier New"/>
-              <a:cs typeface="Courier New"/>
-              <a:sym typeface="Courier New"/>
-            </a:endParaRPr>
-          </a:p>
-          <a:p>
-            <a:pPr marL="457200" lvl="0" indent="0" algn="l" rtl="0">
-              <a:spcBef>
-                <a:spcPts val="1000"/>
-              </a:spcBef>
-              <a:spcAft>
-                <a:spcPts val="0"/>
-              </a:spcAft>
-              <a:buNone/>
-            </a:pPr>
-            <a:endParaRPr sz="1400" dirty="0">
-              <a:solidFill>
-                <a:schemeClr val="dk1"/>
-              </a:solidFill>
-            </a:endParaRPr>
-          </a:p>
-          <a:p>
-            <a:pPr marL="457200" lvl="0" indent="0" algn="l" rtl="0">
-              <a:lnSpc>
-                <a:spcPct val="100000"/>
-              </a:lnSpc>
-              <a:spcBef>
-                <a:spcPts val="300"/>
-              </a:spcBef>
-              <a:spcAft>
-                <a:spcPts val="1000"/>
-              </a:spcAft>
-              <a:buNone/>
-            </a:pPr>
-            <a:endParaRPr sz="1200" dirty="0">
-              <a:solidFill>
-                <a:schemeClr val="dk1"/>
-              </a:solidFill>
-              <a:highlight>
-                <a:srgbClr val="FFFFFF"/>
-              </a:highlight>
-              <a:latin typeface="Courier New"/>
-              <a:ea typeface="Courier New"/>
-              <a:cs typeface="Courier New"/>
-              <a:sym typeface="Courier New"/>
-            </a:endParaRPr>
-          </a:p>
-        </p:txBody>
-      </p:sp>
-      <p:sp>
-        <p:nvSpPr>
-          <p:cNvPr id="483" name="Google Shape;483;p57"/>
-          <p:cNvSpPr txBox="1">
-            <a:spLocks noGrp="1"/>
-          </p:cNvSpPr>
-          <p:nvPr>
-            <p:ph type="sldNum" idx="12"/>
-          </p:nvPr>
-        </p:nvSpPr>
-        <p:spPr>
-          <a:xfrm>
-            <a:off x="8548658" y="4739417"/>
-            <a:ext cx="548700" cy="393600"/>
-          </a:xfrm>
-          <a:prstGeom prst="rect">
-            <a:avLst/>
-          </a:prstGeom>
-        </p:spPr>
-        <p:txBody>
-          <a:bodyPr spcFirstLastPara="1" wrap="square" lIns="91425" tIns="91425" rIns="91425" bIns="91425" anchor="ctr" anchorCtr="0">
-            <a:noAutofit/>
-          </a:bodyPr>
-          <a:lstStyle/>
-          <a:p>
-            <a:pPr marL="0" lvl="0" indent="0" algn="r" rtl="0">
-              <a:spcBef>
-                <a:spcPts val="0"/>
-              </a:spcBef>
-              <a:spcAft>
-                <a:spcPts val="0"/>
-              </a:spcAft>
-              <a:buNone/>
-            </a:pPr>
-            <a:fld id="{00000000-1234-1234-1234-123412341234}" type="slidenum">
-              <a:rPr lang="en"/>
-              <a:t>40</a:t>
-            </a:fld>
-            <a:endParaRPr/>
-          </a:p>
-        </p:txBody>
-      </p:sp>
-      <p:sp>
-        <p:nvSpPr>
-          <p:cNvPr id="484" name="Google Shape;484;p57"/>
-          <p:cNvSpPr txBox="1">
-            <a:spLocks noGrp="1"/>
-          </p:cNvSpPr>
-          <p:nvPr>
-            <p:ph type="title"/>
-          </p:nvPr>
-        </p:nvSpPr>
-        <p:spPr>
-          <a:xfrm>
-            <a:off x="311700" y="247025"/>
-            <a:ext cx="8657700" cy="572700"/>
-          </a:xfrm>
-          <a:prstGeom prst="rect">
-            <a:avLst/>
-          </a:prstGeom>
-        </p:spPr>
-        <p:txBody>
-          <a:bodyPr spcFirstLastPara="1" wrap="square" lIns="91425" tIns="91425" rIns="91425" bIns="91425" anchor="b" anchorCtr="0">
-            <a:noAutofit/>
-          </a:bodyPr>
-          <a:lstStyle/>
-          <a:p>
-            <a:pPr marL="0" lvl="0" indent="0" algn="l" rtl="0">
-              <a:spcBef>
-                <a:spcPts val="0"/>
-              </a:spcBef>
-              <a:spcAft>
-                <a:spcPts val="0"/>
-              </a:spcAft>
-              <a:buClr>
-                <a:schemeClr val="dk1"/>
-              </a:buClr>
-              <a:buSzPts val="1100"/>
-              <a:buFont typeface="Arial"/>
-              <a:buNone/>
-            </a:pPr>
-            <a:r>
-              <a:rPr lang="en" dirty="0"/>
-              <a:t>Combiner des arrays</a:t>
-            </a:r>
-            <a:endParaRPr dirty="0">
-              <a:solidFill>
-                <a:srgbClr val="FFFFFF"/>
-              </a:solidFill>
-            </a:endParaRPr>
-          </a:p>
-        </p:txBody>
-      </p:sp>
-      <p:sp>
-        <p:nvSpPr>
-          <p:cNvPr id="485" name="Google Shape;485;p57"/>
-          <p:cNvSpPr txBox="1"/>
-          <p:nvPr/>
-        </p:nvSpPr>
-        <p:spPr>
-          <a:xfrm>
-            <a:off x="311700" y="3493075"/>
-            <a:ext cx="4050600" cy="344400"/>
-          </a:xfrm>
-          <a:prstGeom prst="rect">
-            <a:avLst/>
-          </a:prstGeom>
-          <a:noFill/>
-          <a:ln>
-            <a:noFill/>
-          </a:ln>
-        </p:spPr>
-        <p:txBody>
-          <a:bodyPr spcFirstLastPara="1" wrap="square" lIns="91425" tIns="91425" rIns="91425" bIns="91425" anchor="t" anchorCtr="0">
-            <a:noAutofit/>
-          </a:bodyPr>
-          <a:lstStyle/>
-          <a:p>
-            <a:pPr marL="0" lvl="0" indent="0" algn="l" rtl="0">
-              <a:lnSpc>
-                <a:spcPct val="115000"/>
-              </a:lnSpc>
-              <a:spcBef>
-                <a:spcPts val="0"/>
-              </a:spcBef>
-              <a:spcAft>
-                <a:spcPts val="600"/>
-              </a:spcAft>
-              <a:buClr>
-                <a:schemeClr val="dk1"/>
-              </a:buClr>
-              <a:buSzPts val="1100"/>
-              <a:buFont typeface="Arial"/>
-              <a:buNone/>
-            </a:pPr>
-            <a:r>
-              <a:rPr lang="en" sz="1800">
-                <a:solidFill>
-                  <a:srgbClr val="1155CC"/>
-                </a:solidFill>
-                <a:latin typeface="Consolas"/>
-                <a:ea typeface="Consolas"/>
-                <a:cs typeface="Consolas"/>
-                <a:sym typeface="Consolas"/>
-              </a:rPr>
-              <a:t>  =&gt; [4, 5, 6, 1, 2, 3]</a:t>
-            </a:r>
-            <a:endParaRPr sz="1800">
-              <a:latin typeface="Consolas"/>
-              <a:ea typeface="Consolas"/>
-              <a:cs typeface="Consolas"/>
-              <a:sym typeface="Consolas"/>
-            </a:endParaRPr>
-          </a:p>
-        </p:txBody>
-      </p:sp>
-    </p:spTree>
-  </p:cSld>
-  <p:clrMapOvr>
-    <a:masterClrMapping/>
-  </p:clrMapOvr>
-</p:sld>
-</file>
-
-<file path=ppt/slides/slide41.xml><?xml version="1.0" encoding="utf-8"?>
-<p:sld xmlns:a="http://schemas.openxmlformats.org/drawingml/2006/main" xmlns:r="http://schemas.openxmlformats.org/officeDocument/2006/relationships" xmlns:p="http://schemas.openxmlformats.org/presentationml/2006/main">
-  <p:cSld>
-    <p:spTree>
-      <p:nvGrpSpPr>
         <p:cNvPr id="1" name="Shape 489"/>
         <p:cNvGrpSpPr/>
         <p:nvPr/>
@@ -36850,7 +36728,7 @@
             </a:pPr>
             <a:fld id="{00000000-1234-1234-1234-123412341234}" type="slidenum">
               <a:rPr lang="en"/>
-              <a:t>41</a:t>
+              <a:t>40</a:t>
             </a:fld>
             <a:endParaRPr/>
           </a:p>
@@ -36864,7 +36742,7 @@
 </p:sld>
 </file>
 
-<file path=ppt/slides/slide42.xml><?xml version="1.0" encoding="utf-8"?>
+<file path=ppt/slides/slide41.xml><?xml version="1.0" encoding="utf-8"?>
 <p:sld xmlns:a="http://schemas.openxmlformats.org/drawingml/2006/main" xmlns:r="http://schemas.openxmlformats.org/officeDocument/2006/relationships" xmlns:p="http://schemas.openxmlformats.org/presentationml/2006/main">
   <p:cSld>
     <p:spTree>
@@ -36917,7 +36795,7 @@
             </a:pPr>
             <a:fld id="{00000000-1234-1234-1234-123412341234}" type="slidenum">
               <a:rPr lang="en"/>
-              <a:t>42</a:t>
+              <a:t>41</a:t>
             </a:fld>
             <a:endParaRPr/>
           </a:p>
@@ -37311,7 +37189,7 @@
 </p:sld>
 </file>
 
-<file path=ppt/slides/slide43.xml><?xml version="1.0" encoding="utf-8"?>
+<file path=ppt/slides/slide42.xml><?xml version="1.0" encoding="utf-8"?>
 <p:sld xmlns:a="http://schemas.openxmlformats.org/drawingml/2006/main" xmlns:r="http://schemas.openxmlformats.org/officeDocument/2006/relationships" xmlns:p="http://schemas.openxmlformats.org/presentationml/2006/main">
   <p:cSld>
     <p:spTree>
@@ -37364,7 +37242,7 @@
             </a:pPr>
             <a:fld id="{00000000-1234-1234-1234-123412341234}" type="slidenum">
               <a:rPr lang="en"/>
-              <a:t>43</a:t>
+              <a:t>42</a:t>
             </a:fld>
             <a:endParaRPr/>
           </a:p>
@@ -38118,7 +37996,7 @@
 </p:sld>
 </file>
 
-<file path=ppt/slides/slide44.xml><?xml version="1.0" encoding="utf-8"?>
+<file path=ppt/slides/slide43.xml><?xml version="1.0" encoding="utf-8"?>
 <p:sld xmlns:a="http://schemas.openxmlformats.org/drawingml/2006/main" xmlns:r="http://schemas.openxmlformats.org/officeDocument/2006/relationships" xmlns:p="http://schemas.openxmlformats.org/presentationml/2006/main">
   <p:cSld>
     <p:spTree>
@@ -38484,7 +38362,7 @@
             </a:pPr>
             <a:fld id="{00000000-1234-1234-1234-123412341234}" type="slidenum">
               <a:rPr lang="en"/>
-              <a:t>44</a:t>
+              <a:t>43</a:t>
             </a:fld>
             <a:endParaRPr/>
           </a:p>
@@ -38902,7 +38780,7 @@
 </p:sld>
 </file>
 
-<file path=ppt/slides/slide45.xml><?xml version="1.0" encoding="utf-8"?>
+<file path=ppt/slides/slide44.xml><?xml version="1.0" encoding="utf-8"?>
 <p:sld xmlns:a="http://schemas.openxmlformats.org/drawingml/2006/main" xmlns:r="http://schemas.openxmlformats.org/officeDocument/2006/relationships" xmlns:p="http://schemas.openxmlformats.org/presentationml/2006/main">
   <p:cSld>
     <p:spTree>
@@ -39169,7 +39047,7 @@
             </a:pPr>
             <a:fld id="{00000000-1234-1234-1234-123412341234}" type="slidenum">
               <a:rPr lang="en"/>
-              <a:t>45</a:t>
+              <a:t>44</a:t>
             </a:fld>
             <a:endParaRPr/>
           </a:p>
@@ -40290,7 +40168,7 @@
 </p:sld>
 </file>
 
-<file path=ppt/slides/slide46.xml><?xml version="1.0" encoding="utf-8"?>
+<file path=ppt/slides/slide45.xml><?xml version="1.0" encoding="utf-8"?>
 <p:sld xmlns:a="http://schemas.openxmlformats.org/drawingml/2006/main" xmlns:r="http://schemas.openxmlformats.org/officeDocument/2006/relationships" xmlns:p="http://schemas.openxmlformats.org/presentationml/2006/main">
   <p:cSld>
     <p:spTree>
@@ -40343,7 +40221,7 @@
             </a:pPr>
             <a:fld id="{00000000-1234-1234-1234-123412341234}" type="slidenum">
               <a:rPr lang="en"/>
-              <a:t>46</a:t>
+              <a:t>45</a:t>
             </a:fld>
             <a:endParaRPr/>
           </a:p>
@@ -41090,7 +40968,7 @@
 </p:sld>
 </file>
 
-<file path=ppt/slides/slide47.xml><?xml version="1.0" encoding="utf-8"?>
+<file path=ppt/slides/slide46.xml><?xml version="1.0" encoding="utf-8"?>
 <p:sld xmlns:a="http://schemas.openxmlformats.org/drawingml/2006/main" xmlns:r="http://schemas.openxmlformats.org/officeDocument/2006/relationships" xmlns:p="http://schemas.openxmlformats.org/presentationml/2006/main">
   <p:cSld>
     <p:spTree>
@@ -41410,7 +41288,7 @@
             </a:pPr>
             <a:fld id="{00000000-1234-1234-1234-123412341234}" type="slidenum">
               <a:rPr lang="en"/>
-              <a:t>47</a:t>
+              <a:t>46</a:t>
             </a:fld>
             <a:endParaRPr/>
           </a:p>
